--- a/Send the notifications.pptx
+++ b/Send the notifications.pptx
@@ -7,9 +7,13 @@
   <p:sldIdLst>
     <p:sldId id="261" r:id="rId2"/>
     <p:sldId id="260" r:id="rId3"/>
-    <p:sldId id="256" r:id="rId4"/>
+    <p:sldId id="272" r:id="rId4"/>
     <p:sldId id="257" r:id="rId5"/>
     <p:sldId id="258" r:id="rId6"/>
+    <p:sldId id="271" r:id="rId7"/>
+    <p:sldId id="259" r:id="rId8"/>
+    <p:sldId id="270" r:id="rId9"/>
+    <p:sldId id="256" r:id="rId10"/>
   </p:sldIdLst>
   <p:sldSz cx="12192000" cy="6858000"/>
   <p:notesSz cx="6858000" cy="9144000"/>
@@ -108,6 +112,11 @@
       </a:defRPr>
     </a:lvl9pPr>
   </p:defaultTextStyle>
+  <p:extLst>
+    <p:ext uri="{EFAFB233-063F-42B5-8137-9DF3F51BA10A}">
+      <p15:sldGuideLst xmlns:p15="http://schemas.microsoft.com/office/powerpoint/2012/main"/>
+    </p:ext>
+  </p:extLst>
 </p:presentation>
 </file>
 
@@ -258,7 +267,7 @@
           <a:p>
             <a:fld id="{A35C7EC3-9B60-4EC5-8846-ACA3C0AA5ADE}" type="datetimeFigureOut">
               <a:rPr lang="en-US" smtClean="0"/>
-              <a:t>2/6/2021</a:t>
+              <a:t>5/26/2021</a:t>
             </a:fld>
             <a:endParaRPr lang="en-US"/>
           </a:p>
@@ -456,7 +465,7 @@
           <a:p>
             <a:fld id="{A35C7EC3-9B60-4EC5-8846-ACA3C0AA5ADE}" type="datetimeFigureOut">
               <a:rPr lang="en-US" smtClean="0"/>
-              <a:t>2/6/2021</a:t>
+              <a:t>5/26/2021</a:t>
             </a:fld>
             <a:endParaRPr lang="en-US"/>
           </a:p>
@@ -664,7 +673,7 @@
           <a:p>
             <a:fld id="{A35C7EC3-9B60-4EC5-8846-ACA3C0AA5ADE}" type="datetimeFigureOut">
               <a:rPr lang="en-US" smtClean="0"/>
-              <a:t>2/6/2021</a:t>
+              <a:t>5/26/2021</a:t>
             </a:fld>
             <a:endParaRPr lang="en-US"/>
           </a:p>
@@ -862,7 +871,7 @@
           <a:p>
             <a:fld id="{A35C7EC3-9B60-4EC5-8846-ACA3C0AA5ADE}" type="datetimeFigureOut">
               <a:rPr lang="en-US" smtClean="0"/>
-              <a:t>2/6/2021</a:t>
+              <a:t>5/26/2021</a:t>
             </a:fld>
             <a:endParaRPr lang="en-US"/>
           </a:p>
@@ -1137,7 +1146,7 @@
           <a:p>
             <a:fld id="{A35C7EC3-9B60-4EC5-8846-ACA3C0AA5ADE}" type="datetimeFigureOut">
               <a:rPr lang="en-US" smtClean="0"/>
-              <a:t>2/6/2021</a:t>
+              <a:t>5/26/2021</a:t>
             </a:fld>
             <a:endParaRPr lang="en-US"/>
           </a:p>
@@ -1402,7 +1411,7 @@
           <a:p>
             <a:fld id="{A35C7EC3-9B60-4EC5-8846-ACA3C0AA5ADE}" type="datetimeFigureOut">
               <a:rPr lang="en-US" smtClean="0"/>
-              <a:t>2/6/2021</a:t>
+              <a:t>5/26/2021</a:t>
             </a:fld>
             <a:endParaRPr lang="en-US"/>
           </a:p>
@@ -1814,7 +1823,7 @@
           <a:p>
             <a:fld id="{A35C7EC3-9B60-4EC5-8846-ACA3C0AA5ADE}" type="datetimeFigureOut">
               <a:rPr lang="en-US" smtClean="0"/>
-              <a:t>2/6/2021</a:t>
+              <a:t>5/26/2021</a:t>
             </a:fld>
             <a:endParaRPr lang="en-US"/>
           </a:p>
@@ -1955,7 +1964,7 @@
           <a:p>
             <a:fld id="{A35C7EC3-9B60-4EC5-8846-ACA3C0AA5ADE}" type="datetimeFigureOut">
               <a:rPr lang="en-US" smtClean="0"/>
-              <a:t>2/6/2021</a:t>
+              <a:t>5/26/2021</a:t>
             </a:fld>
             <a:endParaRPr lang="en-US"/>
           </a:p>
@@ -2068,7 +2077,7 @@
           <a:p>
             <a:fld id="{A35C7EC3-9B60-4EC5-8846-ACA3C0AA5ADE}" type="datetimeFigureOut">
               <a:rPr lang="en-US" smtClean="0"/>
-              <a:t>2/6/2021</a:t>
+              <a:t>5/26/2021</a:t>
             </a:fld>
             <a:endParaRPr lang="en-US"/>
           </a:p>
@@ -2379,7 +2388,7 @@
           <a:p>
             <a:fld id="{A35C7EC3-9B60-4EC5-8846-ACA3C0AA5ADE}" type="datetimeFigureOut">
               <a:rPr lang="en-US" smtClean="0"/>
-              <a:t>2/6/2021</a:t>
+              <a:t>5/26/2021</a:t>
             </a:fld>
             <a:endParaRPr lang="en-US"/>
           </a:p>
@@ -2667,7 +2676,7 @@
           <a:p>
             <a:fld id="{A35C7EC3-9B60-4EC5-8846-ACA3C0AA5ADE}" type="datetimeFigureOut">
               <a:rPr lang="en-US" smtClean="0"/>
-              <a:t>2/6/2021</a:t>
+              <a:t>5/26/2021</a:t>
             </a:fld>
             <a:endParaRPr lang="en-US"/>
           </a:p>
@@ -2908,7 +2917,7 @@
           <a:p>
             <a:fld id="{A35C7EC3-9B60-4EC5-8846-ACA3C0AA5ADE}" type="datetimeFigureOut">
               <a:rPr lang="en-US" smtClean="0"/>
-              <a:t>2/6/2021</a:t>
+              <a:t>5/26/2021</a:t>
             </a:fld>
             <a:endParaRPr lang="en-US"/>
           </a:p>
@@ -3343,8 +3352,8 @@
         </p:nvSpPr>
         <p:spPr>
           <a:xfrm>
-            <a:off x="112542" y="545087"/>
-            <a:ext cx="12238892" cy="3735046"/>
+            <a:off x="1590101" y="616945"/>
+            <a:ext cx="9011798" cy="2082188"/>
           </a:xfrm>
         </p:spPr>
         <p:txBody>
@@ -3354,18 +3363,11 @@
           <a:lstStyle/>
           <a:p>
             <a:r>
-              <a:rPr lang="en-US" dirty="0">
-                <a:solidFill>
-                  <a:schemeClr val="accent6">
-                    <a:lumMod val="75000"/>
-                  </a:schemeClr>
-                </a:solidFill>
+              <a:rPr lang="en-US" b="1" i="0" dirty="0">
+                <a:effectLst/>
+                <a:latin typeface="-apple-system"/>
               </a:rPr>
-              <a:t>Send the notifications to user using serverless framework using external Authentication and Authorization</a:t>
-            </a:r>
-            <a:r>
-              <a:rPr lang="en-US" dirty="0"/>
-              <a:t>   </a:t>
+              <a:t>Announcement Assessment</a:t>
             </a:r>
             <a:br>
               <a:rPr lang="en-US" dirty="0"/>
@@ -3392,7 +3394,7 @@
         </p:nvSpPr>
         <p:spPr>
           <a:xfrm>
-            <a:off x="8890781" y="3629464"/>
+            <a:off x="8736545" y="1789647"/>
             <a:ext cx="2382129" cy="812409"/>
           </a:xfrm>
         </p:spPr>
@@ -3490,18 +3492,21 @@
                   </a:schemeClr>
                 </a:solidFill>
               </a:rPr>
-              <a:t>You have an external Authentication system (Hosted  as Authentication and Authorization server) that handles user authentication and issue tokens for authenticated users and this same system needs to be used for AWS API Gateway endpoint security as well. Meaning the token issued from the external Authentication System needs to be passed for each  and every request to the API Gateway as well. This is where Lambda Authorizers come in. You can create a Lambda function that will be invoked every time a request is made to an API Gateway endpoint and you can write your own custom code to verify that token sent to the request is valid by sending the token to the external Authentication system and check for validity.</a:t>
+              <a:t>We have used Lambda Authorizer function for user Authentication and Validation. We have created the required  roles and policies like DynamoDB access, message publish to SNS, and attached to Lambda function. Lambda Authorizer function can validate the user(if we pass any JWT token) or call to external system to Authenticate.    </a:t>
             </a:r>
           </a:p>
           <a:p>
             <a:pPr algn="ctr"/>
-            <a:endParaRPr lang="en-US" dirty="0">
-              <a:solidFill>
-                <a:schemeClr val="accent6">
-                  <a:lumMod val="75000"/>
-                </a:schemeClr>
-              </a:solidFill>
-            </a:endParaRPr>
+            <a:r>
+              <a:rPr lang="en-US" dirty="0">
+                <a:solidFill>
+                  <a:schemeClr val="accent6">
+                    <a:lumMod val="75000"/>
+                  </a:schemeClr>
+                </a:solidFill>
+              </a:rPr>
+              <a:t> </a:t>
+            </a:r>
           </a:p>
           <a:p>
             <a:pPr algn="ctr"/>
@@ -3711,6 +3716,1605 @@
           <a:chExt cx="0" cy="0"/>
         </a:xfrm>
       </p:grpSpPr>
+      <p:sp>
+        <p:nvSpPr>
+          <p:cNvPr id="6" name="Rectangle 5">
+            <a:extLst>
+              <a:ext uri="{FF2B5EF4-FFF2-40B4-BE49-F238E27FC236}">
+                <a16:creationId xmlns:a16="http://schemas.microsoft.com/office/drawing/2014/main" id="{B2F8B5F3-C13B-4168-9793-23B70F69D217}"/>
+              </a:ext>
+            </a:extLst>
+          </p:cNvPr>
+          <p:cNvSpPr/>
+          <p:nvPr/>
+        </p:nvSpPr>
+        <p:spPr>
+          <a:xfrm>
+            <a:off x="672904" y="1553377"/>
+            <a:ext cx="10846192" cy="4761153"/>
+          </a:xfrm>
+          <a:prstGeom prst="rect">
+            <a:avLst/>
+          </a:prstGeom>
+        </p:spPr>
+        <p:txBody>
+          <a:bodyPr vert="horz" lIns="91440" tIns="45720" rIns="91440" bIns="45720" rtlCol="0">
+            <a:normAutofit/>
+          </a:bodyPr>
+          <a:lstStyle/>
+          <a:p>
+            <a:pPr>
+              <a:lnSpc>
+                <a:spcPct val="90000"/>
+              </a:lnSpc>
+              <a:spcBef>
+                <a:spcPts val="1000"/>
+              </a:spcBef>
+            </a:pPr>
+            <a:r>
+              <a:rPr lang="en-US" sz="2400" dirty="0">
+                <a:solidFill>
+                  <a:srgbClr val="333333"/>
+                </a:solidFill>
+                <a:latin typeface="Times New Roman" panose="02020603050405020304" pitchFamily="18" charset="0"/>
+                <a:cs typeface="Times New Roman" panose="02020603050405020304" pitchFamily="18" charset="0"/>
+              </a:rPr>
+              <a:t>API gateway offers developers to create, publish, regulate, maintain, monitor, and secure APIs at any scale. APIs act as the "front door" for applications to access data, business logic, or functionality from your backend services or to access the cloud storage.</a:t>
+            </a:r>
+          </a:p>
+          <a:p>
+            <a:pPr>
+              <a:lnSpc>
+                <a:spcPct val="90000"/>
+              </a:lnSpc>
+              <a:spcBef>
+                <a:spcPts val="1000"/>
+              </a:spcBef>
+            </a:pPr>
+            <a:endParaRPr lang="en-US" sz="2400" dirty="0">
+              <a:solidFill>
+                <a:srgbClr val="333333"/>
+              </a:solidFill>
+              <a:latin typeface="Times New Roman" panose="02020603050405020304" pitchFamily="18" charset="0"/>
+              <a:cs typeface="Times New Roman" panose="02020603050405020304" pitchFamily="18" charset="0"/>
+            </a:endParaRPr>
+          </a:p>
+          <a:p>
+            <a:pPr marL="1143000" lvl="2" indent="-228600">
+              <a:lnSpc>
+                <a:spcPct val="90000"/>
+              </a:lnSpc>
+              <a:spcBef>
+                <a:spcPts val="500"/>
+              </a:spcBef>
+              <a:buFont typeface="Arial" panose="020B0604020202020204" pitchFamily="34" charset="0"/>
+              <a:buChar char="•"/>
+            </a:pPr>
+            <a:r>
+              <a:rPr lang="en-US" sz="2000" dirty="0">
+                <a:solidFill>
+                  <a:schemeClr val="tx1"/>
+                </a:solidFill>
+              </a:rPr>
+              <a:t>Flexible, Self-service, and Pay-as-you-go</a:t>
+            </a:r>
+          </a:p>
+          <a:p>
+            <a:pPr marL="1143000" lvl="2" indent="-228600">
+              <a:lnSpc>
+                <a:spcPct val="90000"/>
+              </a:lnSpc>
+              <a:spcBef>
+                <a:spcPts val="500"/>
+              </a:spcBef>
+              <a:buFont typeface="Arial" panose="020B0604020202020204" pitchFamily="34" charset="0"/>
+              <a:buChar char="•"/>
+            </a:pPr>
+            <a:r>
+              <a:rPr lang="en-US" sz="2000" dirty="0">
+                <a:solidFill>
+                  <a:schemeClr val="tx1"/>
+                </a:solidFill>
+              </a:rPr>
+              <a:t>API Caching and Throttling</a:t>
+            </a:r>
+          </a:p>
+          <a:p>
+            <a:pPr marL="1143000" lvl="2" indent="-228600">
+              <a:lnSpc>
+                <a:spcPct val="90000"/>
+              </a:lnSpc>
+              <a:spcBef>
+                <a:spcPts val="500"/>
+              </a:spcBef>
+              <a:buFont typeface="Arial" panose="020B0604020202020204" pitchFamily="34" charset="0"/>
+              <a:buChar char="•"/>
+            </a:pPr>
+            <a:r>
+              <a:rPr lang="en-US" sz="2000" dirty="0">
+                <a:solidFill>
+                  <a:schemeClr val="tx1"/>
+                </a:solidFill>
+              </a:rPr>
+              <a:t>Security(Authentication authorization and access control)</a:t>
+            </a:r>
+          </a:p>
+          <a:p>
+            <a:pPr marL="1143000" lvl="2" indent="-228600">
+              <a:lnSpc>
+                <a:spcPct val="90000"/>
+              </a:lnSpc>
+              <a:spcBef>
+                <a:spcPts val="500"/>
+              </a:spcBef>
+              <a:buFont typeface="Arial" panose="020B0604020202020204" pitchFamily="34" charset="0"/>
+              <a:buChar char="•"/>
+            </a:pPr>
+            <a:r>
+              <a:rPr lang="en-US" sz="2000" dirty="0">
+                <a:solidFill>
+                  <a:schemeClr val="tx1"/>
+                </a:solidFill>
+              </a:rPr>
+              <a:t>API Lifecycle Management</a:t>
+            </a:r>
+          </a:p>
+          <a:p>
+            <a:pPr marL="1143000" lvl="2" indent="-228600">
+              <a:lnSpc>
+                <a:spcPct val="90000"/>
+              </a:lnSpc>
+              <a:spcBef>
+                <a:spcPts val="500"/>
+              </a:spcBef>
+              <a:buFont typeface="Arial" panose="020B0604020202020204" pitchFamily="34" charset="0"/>
+              <a:buChar char="•"/>
+            </a:pPr>
+            <a:r>
+              <a:rPr lang="en-US" sz="2000" dirty="0">
+                <a:solidFill>
+                  <a:schemeClr val="tx1"/>
+                </a:solidFill>
+              </a:rPr>
+              <a:t>Native Code Generation</a:t>
+            </a:r>
+          </a:p>
+          <a:p>
+            <a:pPr marL="1143000" lvl="2" indent="-228600">
+              <a:lnSpc>
+                <a:spcPct val="90000"/>
+              </a:lnSpc>
+              <a:spcBef>
+                <a:spcPts val="500"/>
+              </a:spcBef>
+              <a:buFont typeface="Arial" panose="020B0604020202020204" pitchFamily="34" charset="0"/>
+              <a:buChar char="•"/>
+            </a:pPr>
+            <a:r>
+              <a:rPr lang="en-US" sz="2000" dirty="0">
+                <a:solidFill>
+                  <a:schemeClr val="tx1"/>
+                </a:solidFill>
+              </a:rPr>
+              <a:t>Monitoring and logging </a:t>
+            </a:r>
+          </a:p>
+          <a:p>
+            <a:pPr marL="1143000" lvl="2" indent="-228600">
+              <a:lnSpc>
+                <a:spcPct val="90000"/>
+              </a:lnSpc>
+              <a:spcBef>
+                <a:spcPts val="500"/>
+              </a:spcBef>
+              <a:buFont typeface="Arial" panose="020B0604020202020204" pitchFamily="34" charset="0"/>
+              <a:buChar char="•"/>
+            </a:pPr>
+            <a:r>
+              <a:rPr lang="en-US" sz="2000" dirty="0">
+                <a:solidFill>
+                  <a:schemeClr val="tx1"/>
+                </a:solidFill>
+              </a:rPr>
+              <a:t>traffic management, CORS support</a:t>
+            </a:r>
+          </a:p>
+          <a:p>
+            <a:pPr marL="228600" indent="-228600">
+              <a:lnSpc>
+                <a:spcPct val="90000"/>
+              </a:lnSpc>
+              <a:spcBef>
+                <a:spcPts val="1000"/>
+              </a:spcBef>
+              <a:buFont typeface="Arial" panose="020B0604020202020204" pitchFamily="34" charset="0"/>
+              <a:buChar char="•"/>
+            </a:pPr>
+            <a:endParaRPr lang="en-US" sz="2800" dirty="0">
+              <a:solidFill>
+                <a:srgbClr val="333333"/>
+              </a:solidFill>
+              <a:latin typeface="Times New Roman" panose="02020603050405020304" pitchFamily="18" charset="0"/>
+              <a:cs typeface="Times New Roman" panose="02020603050405020304" pitchFamily="18" charset="0"/>
+            </a:endParaRPr>
+          </a:p>
+        </p:txBody>
+      </p:sp>
+      <p:sp>
+        <p:nvSpPr>
+          <p:cNvPr id="7" name="Rectangle 6">
+            <a:extLst>
+              <a:ext uri="{FF2B5EF4-FFF2-40B4-BE49-F238E27FC236}">
+                <a16:creationId xmlns:a16="http://schemas.microsoft.com/office/drawing/2014/main" id="{0E3D5612-B2FD-4F50-9FE2-1D65202CB3A2}"/>
+              </a:ext>
+            </a:extLst>
+          </p:cNvPr>
+          <p:cNvSpPr/>
+          <p:nvPr/>
+        </p:nvSpPr>
+        <p:spPr>
+          <a:xfrm>
+            <a:off x="513895" y="301015"/>
+            <a:ext cx="10846191" cy="800671"/>
+          </a:xfrm>
+          <a:prstGeom prst="rect">
+            <a:avLst/>
+          </a:prstGeom>
+          <a:solidFill>
+            <a:schemeClr val="bg1"/>
+          </a:solidFill>
+          <a:ln>
+            <a:solidFill>
+              <a:schemeClr val="tx1"/>
+            </a:solidFill>
+          </a:ln>
+        </p:spPr>
+        <p:style>
+          <a:lnRef idx="2">
+            <a:schemeClr val="accent1">
+              <a:shade val="50000"/>
+            </a:schemeClr>
+          </a:lnRef>
+          <a:fillRef idx="1">
+            <a:schemeClr val="accent1"/>
+          </a:fillRef>
+          <a:effectRef idx="0">
+            <a:schemeClr val="accent1"/>
+          </a:effectRef>
+          <a:fontRef idx="minor">
+            <a:schemeClr val="lt1"/>
+          </a:fontRef>
+        </p:style>
+        <p:txBody>
+          <a:bodyPr rtlCol="0" anchor="ctr"/>
+          <a:lstStyle/>
+          <a:p>
+            <a:pPr algn="ctr"/>
+            <a:r>
+              <a:rPr lang="en-US" sz="2800" dirty="0">
+                <a:solidFill>
+                  <a:schemeClr val="tx1"/>
+                </a:solidFill>
+              </a:rPr>
+              <a:t>API Gateway</a:t>
+            </a:r>
+          </a:p>
+        </p:txBody>
+      </p:sp>
+    </p:spTree>
+    <p:extLst>
+      <p:ext uri="{BB962C8B-B14F-4D97-AF65-F5344CB8AC3E}">
+        <p14:creationId xmlns:p14="http://schemas.microsoft.com/office/powerpoint/2010/main" val="216541596"/>
+      </p:ext>
+    </p:extLst>
+  </p:cSld>
+  <p:clrMapOvr>
+    <a:masterClrMapping/>
+  </p:clrMapOvr>
+</p:sld>
+</file>
+
+<file path=ppt/slides/slide4.xml><?xml version="1.0" encoding="utf-8"?>
+<p:sld xmlns:a="http://schemas.openxmlformats.org/drawingml/2006/main" xmlns:r="http://schemas.openxmlformats.org/officeDocument/2006/relationships" xmlns:p="http://schemas.openxmlformats.org/presentationml/2006/main">
+  <p:cSld>
+    <p:spTree>
+      <p:nvGrpSpPr>
+        <p:cNvPr id="1" name=""/>
+        <p:cNvGrpSpPr/>
+        <p:nvPr/>
+      </p:nvGrpSpPr>
+      <p:grpSpPr>
+        <a:xfrm>
+          <a:off x="0" y="0"/>
+          <a:ext cx="0" cy="0"/>
+          <a:chOff x="0" y="0"/>
+          <a:chExt cx="0" cy="0"/>
+        </a:xfrm>
+      </p:grpSpPr>
+      <p:sp>
+        <p:nvSpPr>
+          <p:cNvPr id="2" name="Title 1">
+            <a:extLst>
+              <a:ext uri="{FF2B5EF4-FFF2-40B4-BE49-F238E27FC236}">
+                <a16:creationId xmlns:a16="http://schemas.microsoft.com/office/drawing/2014/main" id="{D30962B5-6845-497C-BED3-CBF8A8FEAD4E}"/>
+              </a:ext>
+            </a:extLst>
+          </p:cNvPr>
+          <p:cNvSpPr>
+            <a:spLocks noGrp="1"/>
+          </p:cNvSpPr>
+          <p:nvPr>
+            <p:ph type="title"/>
+          </p:nvPr>
+        </p:nvSpPr>
+        <p:spPr>
+          <a:xfrm>
+            <a:off x="838200" y="310042"/>
+            <a:ext cx="10515600" cy="582326"/>
+          </a:xfrm>
+        </p:spPr>
+        <p:txBody>
+          <a:bodyPr>
+            <a:normAutofit fontScale="90000"/>
+          </a:bodyPr>
+          <a:lstStyle/>
+          <a:p>
+            <a:r>
+              <a:rPr lang="en-US" dirty="0"/>
+              <a:t> Lambda function advantages </a:t>
+            </a:r>
+          </a:p>
+        </p:txBody>
+      </p:sp>
+      <p:sp>
+        <p:nvSpPr>
+          <p:cNvPr id="3" name="Content Placeholder 2">
+            <a:extLst>
+              <a:ext uri="{FF2B5EF4-FFF2-40B4-BE49-F238E27FC236}">
+                <a16:creationId xmlns:a16="http://schemas.microsoft.com/office/drawing/2014/main" id="{2D722EE2-18B5-4979-98D6-962401869E74}"/>
+              </a:ext>
+            </a:extLst>
+          </p:cNvPr>
+          <p:cNvSpPr>
+            <a:spLocks noGrp="1"/>
+          </p:cNvSpPr>
+          <p:nvPr>
+            <p:ph idx="1"/>
+          </p:nvPr>
+        </p:nvSpPr>
+        <p:spPr/>
+        <p:txBody>
+          <a:bodyPr>
+            <a:normAutofit lnSpcReduction="10000"/>
+          </a:bodyPr>
+          <a:lstStyle/>
+          <a:p>
+            <a:pPr algn="l"/>
+            <a:r>
+              <a:rPr lang="en-US" b="0" i="0" dirty="0">
+                <a:solidFill>
+                  <a:srgbClr val="333333"/>
+                </a:solidFill>
+                <a:effectLst/>
+                <a:latin typeface="Times New Roman" panose="02020603050405020304" pitchFamily="18" charset="0"/>
+                <a:cs typeface="Times New Roman" panose="02020603050405020304" pitchFamily="18" charset="0"/>
+              </a:rPr>
+              <a:t>Move production </a:t>
+            </a:r>
+          </a:p>
+          <a:p>
+            <a:pPr marL="0" indent="0">
+              <a:lnSpc>
+                <a:spcPct val="100000"/>
+              </a:lnSpc>
+              <a:buNone/>
+            </a:pPr>
+            <a:r>
+              <a:rPr lang="en-US" sz="2000" dirty="0">
+                <a:solidFill>
+                  <a:srgbClr val="333333"/>
+                </a:solidFill>
+                <a:latin typeface="Times New Roman" panose="02020603050405020304" pitchFamily="18" charset="0"/>
+                <a:cs typeface="Times New Roman" panose="02020603050405020304" pitchFamily="18" charset="0"/>
+              </a:rPr>
+              <a:t>      By eliminating operational overhead, your teams can release quickly, get feedback, and iterate to get to market faster. It support easy way to move from dev to production environment, it supports deferent deployments methods   </a:t>
+            </a:r>
+          </a:p>
+          <a:p>
+            <a:pPr algn="l"/>
+            <a:r>
+              <a:rPr lang="en-US" b="0" i="0" dirty="0">
+                <a:solidFill>
+                  <a:srgbClr val="333333"/>
+                </a:solidFill>
+                <a:effectLst/>
+                <a:latin typeface="Times New Roman" panose="02020603050405020304" pitchFamily="18" charset="0"/>
+                <a:cs typeface="Times New Roman" panose="02020603050405020304" pitchFamily="18" charset="0"/>
+              </a:rPr>
+              <a:t>Lower your costs</a:t>
+            </a:r>
+          </a:p>
+          <a:p>
+            <a:pPr marL="0" indent="0">
+              <a:lnSpc>
+                <a:spcPct val="100000"/>
+              </a:lnSpc>
+              <a:buNone/>
+            </a:pPr>
+            <a:r>
+              <a:rPr lang="en-US" b="0" i="0" dirty="0">
+                <a:solidFill>
+                  <a:srgbClr val="333333"/>
+                </a:solidFill>
+                <a:effectLst/>
+                <a:latin typeface="Times New Roman" panose="02020603050405020304" pitchFamily="18" charset="0"/>
+                <a:cs typeface="Times New Roman" panose="02020603050405020304" pitchFamily="18" charset="0"/>
+              </a:rPr>
+              <a:t>	</a:t>
+            </a:r>
+            <a:r>
+              <a:rPr lang="en-US" sz="2000" dirty="0">
+                <a:solidFill>
+                  <a:srgbClr val="333333"/>
+                </a:solidFill>
+                <a:latin typeface="Times New Roman" panose="02020603050405020304" pitchFamily="18" charset="0"/>
+                <a:cs typeface="Times New Roman" panose="02020603050405020304" pitchFamily="18" charset="0"/>
+              </a:rPr>
+              <a:t>With a pay-for-value billing model (per request, per MB of memory, number seconds you run your code and data you transferred ) , you never pay for over-provisioning and your resource utilization is optimized on your behalf. </a:t>
+            </a:r>
+          </a:p>
+          <a:p>
+            <a:r>
+              <a:rPr lang="en-US" dirty="0">
+                <a:solidFill>
+                  <a:srgbClr val="333333"/>
+                </a:solidFill>
+                <a:latin typeface="Times New Roman" panose="02020603050405020304" pitchFamily="18" charset="0"/>
+                <a:cs typeface="Times New Roman" panose="02020603050405020304" pitchFamily="18" charset="0"/>
+              </a:rPr>
+              <a:t>Adapt at scale</a:t>
+            </a:r>
+          </a:p>
+          <a:p>
+            <a:pPr marL="0" indent="0">
+              <a:buNone/>
+            </a:pPr>
+            <a:r>
+              <a:rPr lang="en-US" dirty="0">
+                <a:solidFill>
+                  <a:srgbClr val="333333"/>
+                </a:solidFill>
+                <a:latin typeface="Times New Roman" panose="02020603050405020304" pitchFamily="18" charset="0"/>
+                <a:cs typeface="Times New Roman" panose="02020603050405020304" pitchFamily="18" charset="0"/>
+              </a:rPr>
+              <a:t>       </a:t>
+            </a:r>
+            <a:r>
+              <a:rPr lang="en-US" sz="2100" dirty="0">
+                <a:solidFill>
+                  <a:srgbClr val="333333"/>
+                </a:solidFill>
+                <a:latin typeface="Times New Roman" panose="02020603050405020304" pitchFamily="18" charset="0"/>
+                <a:cs typeface="Times New Roman" panose="02020603050405020304" pitchFamily="18" charset="0"/>
+              </a:rPr>
+              <a:t>With technologies that automatically scale from zero to peak demands, you can adapt to customer needs faster than ever. Virtually it will support unlimited concurrency of requests.    </a:t>
+            </a:r>
+          </a:p>
+          <a:p>
+            <a:pPr marL="0" indent="0" algn="l">
+              <a:buNone/>
+            </a:pPr>
+            <a:endParaRPr lang="en-US" b="0" i="0" dirty="0">
+              <a:solidFill>
+                <a:srgbClr val="333333"/>
+              </a:solidFill>
+              <a:effectLst/>
+              <a:latin typeface="AmazonEmber"/>
+            </a:endParaRPr>
+          </a:p>
+          <a:p>
+            <a:endParaRPr lang="en-US" dirty="0"/>
+          </a:p>
+        </p:txBody>
+      </p:sp>
+    </p:spTree>
+    <p:extLst>
+      <p:ext uri="{BB962C8B-B14F-4D97-AF65-F5344CB8AC3E}">
+        <p14:creationId xmlns:p14="http://schemas.microsoft.com/office/powerpoint/2010/main" val="2525617874"/>
+      </p:ext>
+    </p:extLst>
+  </p:cSld>
+  <p:clrMapOvr>
+    <a:masterClrMapping/>
+  </p:clrMapOvr>
+</p:sld>
+</file>
+
+<file path=ppt/slides/slide5.xml><?xml version="1.0" encoding="utf-8"?>
+<p:sld xmlns:a="http://schemas.openxmlformats.org/drawingml/2006/main" xmlns:r="http://schemas.openxmlformats.org/officeDocument/2006/relationships" xmlns:p="http://schemas.openxmlformats.org/presentationml/2006/main">
+  <p:cSld>
+    <p:spTree>
+      <p:nvGrpSpPr>
+        <p:cNvPr id="1" name=""/>
+        <p:cNvGrpSpPr/>
+        <p:nvPr/>
+      </p:nvGrpSpPr>
+      <p:grpSpPr>
+        <a:xfrm>
+          <a:off x="0" y="0"/>
+          <a:ext cx="0" cy="0"/>
+          <a:chOff x="0" y="0"/>
+          <a:chExt cx="0" cy="0"/>
+        </a:xfrm>
+      </p:grpSpPr>
+      <p:sp>
+        <p:nvSpPr>
+          <p:cNvPr id="2" name="Title 1">
+            <a:extLst>
+              <a:ext uri="{FF2B5EF4-FFF2-40B4-BE49-F238E27FC236}">
+                <a16:creationId xmlns:a16="http://schemas.microsoft.com/office/drawing/2014/main" id="{D30962B5-6845-497C-BED3-CBF8A8FEAD4E}"/>
+              </a:ext>
+            </a:extLst>
+          </p:cNvPr>
+          <p:cNvSpPr>
+            <a:spLocks noGrp="1"/>
+          </p:cNvSpPr>
+          <p:nvPr>
+            <p:ph type="title"/>
+          </p:nvPr>
+        </p:nvSpPr>
+        <p:spPr>
+          <a:xfrm>
+            <a:off x="838200" y="365126"/>
+            <a:ext cx="10515600" cy="582326"/>
+          </a:xfrm>
+        </p:spPr>
+        <p:txBody>
+          <a:bodyPr>
+            <a:normAutofit fontScale="90000"/>
+          </a:bodyPr>
+          <a:lstStyle/>
+          <a:p>
+            <a:r>
+              <a:rPr lang="en-US" dirty="0"/>
+              <a:t> Lambda function advantages </a:t>
+            </a:r>
+          </a:p>
+        </p:txBody>
+      </p:sp>
+      <p:sp>
+        <p:nvSpPr>
+          <p:cNvPr id="3" name="Content Placeholder 2">
+            <a:extLst>
+              <a:ext uri="{FF2B5EF4-FFF2-40B4-BE49-F238E27FC236}">
+                <a16:creationId xmlns:a16="http://schemas.microsoft.com/office/drawing/2014/main" id="{2D722EE2-18B5-4979-98D6-962401869E74}"/>
+              </a:ext>
+            </a:extLst>
+          </p:cNvPr>
+          <p:cNvSpPr>
+            <a:spLocks noGrp="1"/>
+          </p:cNvSpPr>
+          <p:nvPr>
+            <p:ph idx="1"/>
+          </p:nvPr>
+        </p:nvSpPr>
+        <p:spPr>
+          <a:xfrm>
+            <a:off x="838200" y="1388126"/>
+            <a:ext cx="11104084" cy="5104748"/>
+          </a:xfrm>
+        </p:spPr>
+        <p:txBody>
+          <a:bodyPr>
+            <a:normAutofit/>
+          </a:bodyPr>
+          <a:lstStyle/>
+          <a:p>
+            <a:pPr marL="0" indent="0">
+              <a:buNone/>
+            </a:pPr>
+            <a:endParaRPr lang="en-US" dirty="0">
+              <a:solidFill>
+                <a:srgbClr val="333333"/>
+              </a:solidFill>
+              <a:latin typeface="Times New Roman" panose="02020603050405020304" pitchFamily="18" charset="0"/>
+              <a:cs typeface="Times New Roman" panose="02020603050405020304" pitchFamily="18" charset="0"/>
+            </a:endParaRPr>
+          </a:p>
+          <a:p>
+            <a:r>
+              <a:rPr lang="en-US" dirty="0">
+                <a:solidFill>
+                  <a:srgbClr val="333333"/>
+                </a:solidFill>
+                <a:latin typeface="Times New Roman" panose="02020603050405020304" pitchFamily="18" charset="0"/>
+                <a:cs typeface="Times New Roman" panose="02020603050405020304" pitchFamily="18" charset="0"/>
+              </a:rPr>
+              <a:t>Build better applications, easier</a:t>
+            </a:r>
+          </a:p>
+          <a:p>
+            <a:pPr marL="0" indent="0">
+              <a:buNone/>
+            </a:pPr>
+            <a:r>
+              <a:rPr lang="en-US" dirty="0">
+                <a:solidFill>
+                  <a:srgbClr val="333333"/>
+                </a:solidFill>
+                <a:latin typeface="Times New Roman" panose="02020603050405020304" pitchFamily="18" charset="0"/>
+                <a:cs typeface="Times New Roman" panose="02020603050405020304" pitchFamily="18" charset="0"/>
+              </a:rPr>
+              <a:t>	</a:t>
+            </a:r>
+            <a:r>
+              <a:rPr lang="en-US" sz="2000" dirty="0">
+                <a:solidFill>
+                  <a:srgbClr val="333333"/>
+                </a:solidFill>
+                <a:latin typeface="Times New Roman" panose="02020603050405020304" pitchFamily="18" charset="0"/>
+                <a:cs typeface="Times New Roman" panose="02020603050405020304" pitchFamily="18" charset="0"/>
+              </a:rPr>
+              <a:t>Serverless applications have built-in service integrations, so you can focus on building your application instead of configuring it. It supports many language RUNTIMEs; it will support CI/CD along with Code As Infrastructure so we can build the application along with supporting/required/ infrastructure services without operation effort.   </a:t>
+            </a:r>
+          </a:p>
+          <a:p>
+            <a:pPr marL="0" indent="0">
+              <a:buNone/>
+            </a:pPr>
+            <a:endParaRPr lang="en-US" sz="2000" dirty="0">
+              <a:solidFill>
+                <a:srgbClr val="333333"/>
+              </a:solidFill>
+              <a:latin typeface="Times New Roman" panose="02020603050405020304" pitchFamily="18" charset="0"/>
+              <a:cs typeface="Times New Roman" panose="02020603050405020304" pitchFamily="18" charset="0"/>
+            </a:endParaRPr>
+          </a:p>
+          <a:p>
+            <a:pPr marL="0" indent="0">
+              <a:buNone/>
+            </a:pPr>
+            <a:endParaRPr lang="en-US" dirty="0"/>
+          </a:p>
+        </p:txBody>
+      </p:sp>
+    </p:spTree>
+    <p:extLst>
+      <p:ext uri="{BB962C8B-B14F-4D97-AF65-F5344CB8AC3E}">
+        <p14:creationId xmlns:p14="http://schemas.microsoft.com/office/powerpoint/2010/main" val="1376965097"/>
+      </p:ext>
+    </p:extLst>
+  </p:cSld>
+  <p:clrMapOvr>
+    <a:masterClrMapping/>
+  </p:clrMapOvr>
+</p:sld>
+</file>
+
+<file path=ppt/slides/slide6.xml><?xml version="1.0" encoding="utf-8"?>
+<p:sld xmlns:a="http://schemas.openxmlformats.org/drawingml/2006/main" xmlns:r="http://schemas.openxmlformats.org/officeDocument/2006/relationships" xmlns:p="http://schemas.openxmlformats.org/presentationml/2006/main">
+  <p:cSld>
+    <p:spTree>
+      <p:nvGrpSpPr>
+        <p:cNvPr id="1" name=""/>
+        <p:cNvGrpSpPr/>
+        <p:nvPr/>
+      </p:nvGrpSpPr>
+      <p:grpSpPr>
+        <a:xfrm>
+          <a:off x="0" y="0"/>
+          <a:ext cx="0" cy="0"/>
+          <a:chOff x="0" y="0"/>
+          <a:chExt cx="0" cy="0"/>
+        </a:xfrm>
+      </p:grpSpPr>
+      <p:sp>
+        <p:nvSpPr>
+          <p:cNvPr id="2" name="Title 1">
+            <a:extLst>
+              <a:ext uri="{FF2B5EF4-FFF2-40B4-BE49-F238E27FC236}">
+                <a16:creationId xmlns:a16="http://schemas.microsoft.com/office/drawing/2014/main" id="{19BA7018-B640-40D2-A125-A2B2F066F513}"/>
+              </a:ext>
+            </a:extLst>
+          </p:cNvPr>
+          <p:cNvSpPr>
+            <a:spLocks noGrp="1"/>
+          </p:cNvSpPr>
+          <p:nvPr>
+            <p:ph type="title"/>
+          </p:nvPr>
+        </p:nvSpPr>
+        <p:spPr>
+          <a:xfrm>
+            <a:off x="838200" y="365125"/>
+            <a:ext cx="10515600" cy="681477"/>
+          </a:xfrm>
+        </p:spPr>
+        <p:txBody>
+          <a:bodyPr vert="horz" lIns="91440" tIns="45720" rIns="91440" bIns="45720" rtlCol="0" anchor="ctr">
+            <a:normAutofit fontScale="90000"/>
+          </a:bodyPr>
+          <a:lstStyle/>
+          <a:p>
+            <a:r>
+              <a:rPr lang="en-US" dirty="0"/>
+              <a:t>Lambda function disadvantages</a:t>
+            </a:r>
+          </a:p>
+        </p:txBody>
+      </p:sp>
+      <p:sp>
+        <p:nvSpPr>
+          <p:cNvPr id="3" name="Content Placeholder 2">
+            <a:extLst>
+              <a:ext uri="{FF2B5EF4-FFF2-40B4-BE49-F238E27FC236}">
+                <a16:creationId xmlns:a16="http://schemas.microsoft.com/office/drawing/2014/main" id="{AA3250FC-2890-4B06-B8FF-7DC0A773E33C}"/>
+              </a:ext>
+            </a:extLst>
+          </p:cNvPr>
+          <p:cNvSpPr>
+            <a:spLocks noGrp="1"/>
+          </p:cNvSpPr>
+          <p:nvPr>
+            <p:ph idx="1"/>
+          </p:nvPr>
+        </p:nvSpPr>
+        <p:spPr/>
+        <p:txBody>
+          <a:bodyPr/>
+          <a:lstStyle/>
+          <a:p>
+            <a:r>
+              <a:rPr lang="en-US" dirty="0">
+                <a:solidFill>
+                  <a:srgbClr val="333333"/>
+                </a:solidFill>
+                <a:latin typeface="Times New Roman" panose="02020603050405020304" pitchFamily="18" charset="0"/>
+                <a:cs typeface="Times New Roman" panose="02020603050405020304" pitchFamily="18" charset="0"/>
+              </a:rPr>
+              <a:t>Performance /</a:t>
+            </a:r>
+            <a:r>
+              <a:rPr lang="en-US" b="0" i="0" dirty="0">
+                <a:solidFill>
+                  <a:srgbClr val="000000"/>
+                </a:solidFill>
+                <a:effectLst/>
+                <a:latin typeface="Soleil"/>
+              </a:rPr>
+              <a:t> </a:t>
+            </a:r>
+            <a:r>
+              <a:rPr lang="en-US" dirty="0">
+                <a:solidFill>
+                  <a:srgbClr val="333333"/>
+                </a:solidFill>
+                <a:latin typeface="Times New Roman" panose="02020603050405020304" pitchFamily="18" charset="0"/>
+                <a:cs typeface="Times New Roman" panose="02020603050405020304" pitchFamily="18" charset="0"/>
+              </a:rPr>
+              <a:t>Latency</a:t>
+            </a:r>
+          </a:p>
+          <a:p>
+            <a:pPr marL="0" indent="0">
+              <a:buNone/>
+            </a:pPr>
+            <a:r>
+              <a:rPr lang="en-US" sz="2800" dirty="0">
+                <a:solidFill>
+                  <a:srgbClr val="333333"/>
+                </a:solidFill>
+                <a:latin typeface="Times New Roman" panose="02020603050405020304" pitchFamily="18" charset="0"/>
+                <a:cs typeface="Times New Roman" panose="02020603050405020304" pitchFamily="18" charset="0"/>
+              </a:rPr>
+              <a:t>	</a:t>
+            </a:r>
+            <a:r>
+              <a:rPr lang="en-US" sz="2000" dirty="0">
+                <a:solidFill>
+                  <a:srgbClr val="333333"/>
+                </a:solidFill>
+                <a:latin typeface="Times New Roman" panose="02020603050405020304" pitchFamily="18" charset="0"/>
+                <a:cs typeface="Times New Roman" panose="02020603050405020304" pitchFamily="18" charset="0"/>
+              </a:rPr>
+              <a:t> Start ups times(cold start) may have issue  based on language you implemented your function. Type of resources we are going to access. </a:t>
+            </a:r>
+          </a:p>
+          <a:p>
+            <a:endParaRPr lang="en-US" dirty="0"/>
+          </a:p>
+        </p:txBody>
+      </p:sp>
+    </p:spTree>
+    <p:extLst>
+      <p:ext uri="{BB962C8B-B14F-4D97-AF65-F5344CB8AC3E}">
+        <p14:creationId xmlns:p14="http://schemas.microsoft.com/office/powerpoint/2010/main" val="456087860"/>
+      </p:ext>
+    </p:extLst>
+  </p:cSld>
+  <p:clrMapOvr>
+    <a:masterClrMapping/>
+  </p:clrMapOvr>
+</p:sld>
+</file>
+
+<file path=ppt/slides/slide7.xml><?xml version="1.0" encoding="utf-8"?>
+<p:sld xmlns:a="http://schemas.openxmlformats.org/drawingml/2006/main" xmlns:r="http://schemas.openxmlformats.org/officeDocument/2006/relationships" xmlns:p="http://schemas.openxmlformats.org/presentationml/2006/main">
+  <p:cSld>
+    <p:spTree>
+      <p:nvGrpSpPr>
+        <p:cNvPr id="1" name=""/>
+        <p:cNvGrpSpPr/>
+        <p:nvPr/>
+      </p:nvGrpSpPr>
+      <p:grpSpPr>
+        <a:xfrm>
+          <a:off x="0" y="0"/>
+          <a:ext cx="0" cy="0"/>
+          <a:chOff x="0" y="0"/>
+          <a:chExt cx="0" cy="0"/>
+        </a:xfrm>
+      </p:grpSpPr>
+      <p:sp>
+        <p:nvSpPr>
+          <p:cNvPr id="2" name="Title 1">
+            <a:extLst>
+              <a:ext uri="{FF2B5EF4-FFF2-40B4-BE49-F238E27FC236}">
+                <a16:creationId xmlns:a16="http://schemas.microsoft.com/office/drawing/2014/main" id="{0CDA71A7-8AFE-448E-8C56-91E1673D75E1}"/>
+              </a:ext>
+            </a:extLst>
+          </p:cNvPr>
+          <p:cNvSpPr>
+            <a:spLocks noGrp="1"/>
+          </p:cNvSpPr>
+          <p:nvPr>
+            <p:ph type="title"/>
+          </p:nvPr>
+        </p:nvSpPr>
+        <p:spPr>
+          <a:xfrm>
+            <a:off x="838200" y="365125"/>
+            <a:ext cx="10515600" cy="802663"/>
+          </a:xfrm>
+        </p:spPr>
+        <p:txBody>
+          <a:bodyPr/>
+          <a:lstStyle/>
+          <a:p>
+            <a:r>
+              <a:rPr lang="en-US" b="1" i="0" dirty="0">
+                <a:solidFill>
+                  <a:srgbClr val="292929"/>
+                </a:solidFill>
+                <a:effectLst/>
+                <a:latin typeface="charter"/>
+              </a:rPr>
+              <a:t>Monitoring, logging, and tracing</a:t>
+            </a:r>
+            <a:endParaRPr lang="en-US" dirty="0"/>
+          </a:p>
+        </p:txBody>
+      </p:sp>
+      <p:sp>
+        <p:nvSpPr>
+          <p:cNvPr id="3" name="Content Placeholder 2">
+            <a:extLst>
+              <a:ext uri="{FF2B5EF4-FFF2-40B4-BE49-F238E27FC236}">
+                <a16:creationId xmlns:a16="http://schemas.microsoft.com/office/drawing/2014/main" id="{A8F38DEC-41A9-4DDE-BA26-32579EAFD808}"/>
+              </a:ext>
+            </a:extLst>
+          </p:cNvPr>
+          <p:cNvSpPr>
+            <a:spLocks noGrp="1"/>
+          </p:cNvSpPr>
+          <p:nvPr>
+            <p:ph idx="1"/>
+          </p:nvPr>
+        </p:nvSpPr>
+        <p:spPr/>
+        <p:txBody>
+          <a:bodyPr>
+            <a:normAutofit/>
+          </a:bodyPr>
+          <a:lstStyle/>
+          <a:p>
+            <a:pPr algn="l">
+              <a:buFont typeface="Arial" panose="020B0604020202020204" pitchFamily="34" charset="0"/>
+              <a:buChar char="•"/>
+            </a:pPr>
+            <a:r>
+              <a:rPr lang="en-US" sz="2400" b="1" i="0" dirty="0">
+                <a:solidFill>
+                  <a:srgbClr val="292929"/>
+                </a:solidFill>
+                <a:effectLst/>
+                <a:latin typeface="charter"/>
+              </a:rPr>
+              <a:t>Monitoring</a:t>
+            </a:r>
+            <a:r>
+              <a:rPr lang="en-US" sz="2400" b="0" i="0" dirty="0">
+                <a:solidFill>
+                  <a:srgbClr val="292929"/>
+                </a:solidFill>
+                <a:effectLst/>
+                <a:latin typeface="charter"/>
+              </a:rPr>
+              <a:t> — AWS CloudWatch automatically collects runtime and basic performance metrics from your functions. You can export these metrics to third-party monitoring solutions or access them through the CloudWatch Console or AWS CLI. Keep in mind, however, that you are charged a small fee every time you access metrics.</a:t>
+            </a:r>
+          </a:p>
+          <a:p>
+            <a:pPr algn="l">
+              <a:buFont typeface="Arial" panose="020B0604020202020204" pitchFamily="34" charset="0"/>
+              <a:buChar char="•"/>
+            </a:pPr>
+            <a:r>
+              <a:rPr lang="en-US" sz="2400" b="1" i="0" dirty="0">
+                <a:solidFill>
+                  <a:srgbClr val="292929"/>
+                </a:solidFill>
+                <a:effectLst/>
+                <a:latin typeface="charter"/>
+              </a:rPr>
+              <a:t>Logging</a:t>
+            </a:r>
+            <a:r>
+              <a:rPr lang="en-US" sz="2400" b="0" i="0" dirty="0">
+                <a:solidFill>
+                  <a:srgbClr val="292929"/>
+                </a:solidFill>
+                <a:effectLst/>
+                <a:latin typeface="charter"/>
+              </a:rPr>
+              <a:t> — you can insert logging statements into your code to send data to CloudWatch Logs. You can then view these logs via the console, AWS CLI, or export with the API. have logs Lambda outputs all logs to AWS CloudWatch Logs by default.</a:t>
+            </a:r>
+          </a:p>
+          <a:p>
+            <a:pPr algn="l">
+              <a:buFont typeface="Arial" panose="020B0604020202020204" pitchFamily="34" charset="0"/>
+              <a:buChar char="•"/>
+            </a:pPr>
+            <a:r>
+              <a:rPr lang="en-US" sz="2400" b="1" i="0" dirty="0">
+                <a:solidFill>
+                  <a:srgbClr val="292929"/>
+                </a:solidFill>
+                <a:effectLst/>
+                <a:latin typeface="charter"/>
+              </a:rPr>
+              <a:t>Tracing</a:t>
+            </a:r>
+            <a:r>
+              <a:rPr lang="en-US" sz="2400" b="0" i="0" dirty="0">
+                <a:solidFill>
+                  <a:srgbClr val="292929"/>
+                </a:solidFill>
+                <a:effectLst/>
+                <a:latin typeface="charter"/>
+              </a:rPr>
+              <a:t> — AWS X-Ray is a service you can use for the end-to-end tracing of Lambda functions and microservices architectures in general. </a:t>
+            </a:r>
+          </a:p>
+        </p:txBody>
+      </p:sp>
+    </p:spTree>
+    <p:extLst>
+      <p:ext uri="{BB962C8B-B14F-4D97-AF65-F5344CB8AC3E}">
+        <p14:creationId xmlns:p14="http://schemas.microsoft.com/office/powerpoint/2010/main" val="207116538"/>
+      </p:ext>
+    </p:extLst>
+  </p:cSld>
+  <p:clrMapOvr>
+    <a:masterClrMapping/>
+  </p:clrMapOvr>
+</p:sld>
+</file>
+
+<file path=ppt/slides/slide8.xml><?xml version="1.0" encoding="utf-8"?>
+<p:sld xmlns:a="http://schemas.openxmlformats.org/drawingml/2006/main" xmlns:r="http://schemas.openxmlformats.org/officeDocument/2006/relationships" xmlns:p="http://schemas.openxmlformats.org/presentationml/2006/main">
+  <p:cSld>
+    <p:spTree>
+      <p:nvGrpSpPr>
+        <p:cNvPr id="1" name=""/>
+        <p:cNvGrpSpPr/>
+        <p:nvPr/>
+      </p:nvGrpSpPr>
+      <p:grpSpPr>
+        <a:xfrm>
+          <a:off x="0" y="0"/>
+          <a:ext cx="0" cy="0"/>
+          <a:chOff x="0" y="0"/>
+          <a:chExt cx="0" cy="0"/>
+        </a:xfrm>
+      </p:grpSpPr>
+      <p:sp>
+        <p:nvSpPr>
+          <p:cNvPr id="2" name="Title 1">
+            <a:extLst>
+              <a:ext uri="{FF2B5EF4-FFF2-40B4-BE49-F238E27FC236}">
+                <a16:creationId xmlns:a16="http://schemas.microsoft.com/office/drawing/2014/main" id="{55E3C95B-E208-49E3-B806-83B633FFD546}"/>
+              </a:ext>
+            </a:extLst>
+          </p:cNvPr>
+          <p:cNvSpPr>
+            <a:spLocks noGrp="1"/>
+          </p:cNvSpPr>
+          <p:nvPr>
+            <p:ph type="title"/>
+          </p:nvPr>
+        </p:nvSpPr>
+        <p:spPr>
+          <a:xfrm>
+            <a:off x="838200" y="165256"/>
+            <a:ext cx="10515600" cy="892366"/>
+          </a:xfrm>
+        </p:spPr>
+        <p:txBody>
+          <a:bodyPr>
+            <a:noAutofit/>
+          </a:bodyPr>
+          <a:lstStyle/>
+          <a:p>
+            <a:pPr algn="ctr"/>
+            <a:r>
+              <a:rPr lang="en-US" sz="3200" b="1" i="0" dirty="0">
+                <a:solidFill>
+                  <a:srgbClr val="404040"/>
+                </a:solidFill>
+                <a:effectLst/>
+                <a:latin typeface="Oswald"/>
+              </a:rPr>
+              <a:t>Advantages of DynamoDB:</a:t>
+            </a:r>
+            <a:br>
+              <a:rPr lang="en-US" sz="3200" b="1" i="0" dirty="0">
+                <a:solidFill>
+                  <a:srgbClr val="404040"/>
+                </a:solidFill>
+                <a:effectLst/>
+                <a:latin typeface="Oswald"/>
+              </a:rPr>
+            </a:br>
+            <a:endParaRPr lang="en-US" sz="3200" dirty="0"/>
+          </a:p>
+        </p:txBody>
+      </p:sp>
+      <p:sp>
+        <p:nvSpPr>
+          <p:cNvPr id="3" name="Content Placeholder 2">
+            <a:extLst>
+              <a:ext uri="{FF2B5EF4-FFF2-40B4-BE49-F238E27FC236}">
+                <a16:creationId xmlns:a16="http://schemas.microsoft.com/office/drawing/2014/main" id="{AFC23285-E39E-43D1-B1E7-3EF397824584}"/>
+              </a:ext>
+            </a:extLst>
+          </p:cNvPr>
+          <p:cNvSpPr>
+            <a:spLocks noGrp="1"/>
+          </p:cNvSpPr>
+          <p:nvPr>
+            <p:ph idx="1"/>
+          </p:nvPr>
+        </p:nvSpPr>
+        <p:spPr>
+          <a:xfrm>
+            <a:off x="838200" y="1333042"/>
+            <a:ext cx="10515600" cy="5266059"/>
+          </a:xfrm>
+        </p:spPr>
+        <p:txBody>
+          <a:bodyPr>
+            <a:normAutofit fontScale="92500" lnSpcReduction="20000"/>
+          </a:bodyPr>
+          <a:lstStyle/>
+          <a:p>
+            <a:pPr algn="l">
+              <a:buFont typeface="Arial" panose="020B0604020202020204" pitchFamily="34" charset="0"/>
+              <a:buChar char="•"/>
+            </a:pPr>
+            <a:r>
+              <a:rPr lang="en-US" b="1" i="0" dirty="0">
+                <a:solidFill>
+                  <a:srgbClr val="404040"/>
+                </a:solidFill>
+                <a:effectLst/>
+                <a:latin typeface="Poppins"/>
+              </a:rPr>
+              <a:t>Scalable – </a:t>
+            </a:r>
+            <a:r>
+              <a:rPr lang="en-US" b="0" i="0" dirty="0">
+                <a:solidFill>
+                  <a:srgbClr val="404040"/>
+                </a:solidFill>
+                <a:effectLst/>
+                <a:latin typeface="Poppins"/>
+              </a:rPr>
+              <a:t>User can store unlimited amount of data.</a:t>
+            </a:r>
+          </a:p>
+          <a:p>
+            <a:pPr algn="l">
+              <a:buFont typeface="Arial" panose="020B0604020202020204" pitchFamily="34" charset="0"/>
+              <a:buChar char="•"/>
+            </a:pPr>
+            <a:r>
+              <a:rPr lang="en-US" b="1" i="0" dirty="0">
+                <a:solidFill>
+                  <a:srgbClr val="404040"/>
+                </a:solidFill>
+                <a:effectLst/>
+                <a:latin typeface="Poppins"/>
+              </a:rPr>
+              <a:t>Distributed/</a:t>
+            </a:r>
+            <a:r>
+              <a:rPr lang="en-US" b="1" dirty="0">
+                <a:solidFill>
+                  <a:srgbClr val="404040"/>
+                </a:solidFill>
+                <a:latin typeface="Poppins"/>
+              </a:rPr>
+              <a:t>Serverless</a:t>
+            </a:r>
+            <a:r>
+              <a:rPr lang="en-US" b="1" i="0" dirty="0">
+                <a:solidFill>
+                  <a:srgbClr val="404040"/>
+                </a:solidFill>
+                <a:effectLst/>
+                <a:latin typeface="Poppins"/>
+              </a:rPr>
+              <a:t> </a:t>
+            </a:r>
+            <a:r>
+              <a:rPr lang="en-US" b="0" i="0" dirty="0">
+                <a:solidFill>
+                  <a:srgbClr val="404040"/>
+                </a:solidFill>
+                <a:effectLst/>
+                <a:latin typeface="Poppins"/>
+              </a:rPr>
+              <a:t>– DynamoDB scales horizontally by expanding a single table over multiple server</a:t>
+            </a:r>
+          </a:p>
+          <a:p>
+            <a:pPr algn="l">
+              <a:buFont typeface="Arial" panose="020B0604020202020204" pitchFamily="34" charset="0"/>
+              <a:buChar char="•"/>
+            </a:pPr>
+            <a:r>
+              <a:rPr lang="en-US" b="1" i="0" dirty="0">
+                <a:solidFill>
+                  <a:srgbClr val="404040"/>
+                </a:solidFill>
+                <a:effectLst/>
+                <a:latin typeface="Poppins"/>
+              </a:rPr>
+              <a:t>Cost Effective</a:t>
+            </a:r>
+            <a:r>
+              <a:rPr lang="en-US" b="0" i="0" dirty="0">
+                <a:solidFill>
+                  <a:srgbClr val="404040"/>
+                </a:solidFill>
+                <a:effectLst/>
+                <a:latin typeface="Poppins"/>
+              </a:rPr>
+              <a:t> – One-year free tier allows more than 40 million database operations/month and pricing is based on throughput (read/write per second) rather than storage</a:t>
+            </a:r>
+          </a:p>
+          <a:p>
+            <a:pPr algn="l">
+              <a:buFont typeface="Arial" panose="020B0604020202020204" pitchFamily="34" charset="0"/>
+              <a:buChar char="•"/>
+            </a:pPr>
+            <a:r>
+              <a:rPr lang="en-US" b="1" i="0" dirty="0">
+                <a:solidFill>
+                  <a:srgbClr val="404040"/>
+                </a:solidFill>
+                <a:effectLst/>
+                <a:latin typeface="Poppins"/>
+              </a:rPr>
+              <a:t>Automatic data replication</a:t>
+            </a:r>
+            <a:r>
+              <a:rPr lang="en-US" b="0" i="0" dirty="0">
+                <a:solidFill>
+                  <a:srgbClr val="404040"/>
+                </a:solidFill>
+                <a:effectLst/>
+                <a:latin typeface="Poppins"/>
+              </a:rPr>
+              <a:t> – All data items are stored on Solid State Disks (SSDs) and  automatically replicated across multiple availability zones in a region</a:t>
+            </a:r>
+          </a:p>
+          <a:p>
+            <a:pPr algn="l">
+              <a:buFont typeface="Arial" panose="020B0604020202020204" pitchFamily="34" charset="0"/>
+              <a:buChar char="•"/>
+            </a:pPr>
+            <a:r>
+              <a:rPr lang="en-US" b="1" i="0" dirty="0">
+                <a:solidFill>
+                  <a:srgbClr val="404040"/>
+                </a:solidFill>
+                <a:effectLst/>
+                <a:latin typeface="Poppins"/>
+              </a:rPr>
+              <a:t>Secure</a:t>
+            </a:r>
+            <a:r>
+              <a:rPr lang="en-US" b="0" i="0" dirty="0">
+                <a:solidFill>
+                  <a:srgbClr val="404040"/>
+                </a:solidFill>
+                <a:effectLst/>
+                <a:latin typeface="Poppins"/>
+              </a:rPr>
+              <a:t> – DynamoDB uses proven secured methods to authenticate users and prevent unauthorized data access</a:t>
+            </a:r>
+          </a:p>
+          <a:p>
+            <a:pPr algn="l">
+              <a:buFont typeface="Arial" panose="020B0604020202020204" pitchFamily="34" charset="0"/>
+              <a:buChar char="•"/>
+            </a:pPr>
+            <a:r>
+              <a:rPr lang="en-US" b="1" dirty="0">
+                <a:solidFill>
+                  <a:srgbClr val="404040"/>
+                </a:solidFill>
+                <a:latin typeface="Poppins"/>
+              </a:rPr>
+              <a:t>Easy Administration- </a:t>
+            </a:r>
+            <a:r>
+              <a:rPr lang="en-US" dirty="0">
+                <a:solidFill>
+                  <a:srgbClr val="404040"/>
+                </a:solidFill>
+                <a:latin typeface="Poppins"/>
+              </a:rPr>
+              <a:t>Amazon DynamoDB is a fully managed service, you don't need to worry about hardware or software provisioning, setup &amp; configuration, software patching, distributed database cluster or partitioning data over multiple instances as you scale</a:t>
+            </a:r>
+          </a:p>
+          <a:p>
+            <a:pPr algn="l">
+              <a:buFont typeface="Arial" panose="020B0604020202020204" pitchFamily="34" charset="0"/>
+              <a:buChar char="•"/>
+            </a:pPr>
+            <a:endParaRPr lang="en-US" b="0" i="0" dirty="0">
+              <a:solidFill>
+                <a:srgbClr val="404040"/>
+              </a:solidFill>
+              <a:effectLst/>
+              <a:latin typeface="Poppins"/>
+            </a:endParaRPr>
+          </a:p>
+          <a:p>
+            <a:pPr algn="l">
+              <a:buFont typeface="Arial" panose="020B0604020202020204" pitchFamily="34" charset="0"/>
+              <a:buChar char="•"/>
+            </a:pPr>
+            <a:endParaRPr lang="en-US" b="0" i="0" dirty="0">
+              <a:solidFill>
+                <a:srgbClr val="404040"/>
+              </a:solidFill>
+              <a:effectLst/>
+              <a:latin typeface="Poppins"/>
+            </a:endParaRPr>
+          </a:p>
+          <a:p>
+            <a:pPr algn="l">
+              <a:buFont typeface="Arial" panose="020B0604020202020204" pitchFamily="34" charset="0"/>
+              <a:buChar char="•"/>
+            </a:pPr>
+            <a:endParaRPr lang="en-US" b="0" i="0" dirty="0">
+              <a:solidFill>
+                <a:srgbClr val="404040"/>
+              </a:solidFill>
+              <a:effectLst/>
+              <a:latin typeface="Poppins"/>
+            </a:endParaRPr>
+          </a:p>
+          <a:p>
+            <a:endParaRPr lang="en-US" dirty="0"/>
+          </a:p>
+        </p:txBody>
+      </p:sp>
+      <p:sp>
+        <p:nvSpPr>
+          <p:cNvPr id="5" name="Rectangle 2">
+            <a:extLst>
+              <a:ext uri="{FF2B5EF4-FFF2-40B4-BE49-F238E27FC236}">
+                <a16:creationId xmlns:a16="http://schemas.microsoft.com/office/drawing/2014/main" id="{72D79E88-52CF-41BF-A90E-875B202E23BB}"/>
+              </a:ext>
+            </a:extLst>
+          </p:cNvPr>
+          <p:cNvSpPr>
+            <a:spLocks noChangeArrowheads="1"/>
+          </p:cNvSpPr>
+          <p:nvPr/>
+        </p:nvSpPr>
+        <p:spPr bwMode="auto">
+          <a:xfrm>
+            <a:off x="520700" y="8420100"/>
+            <a:ext cx="12192000" cy="0"/>
+          </a:xfrm>
+          <a:prstGeom prst="rect">
+            <a:avLst/>
+          </a:prstGeom>
+          <a:solidFill>
+            <a:srgbClr val="FFFFFF"/>
+          </a:solidFill>
+          <a:ln>
+            <a:noFill/>
+          </a:ln>
+          <a:effectLst/>
+          <a:extLst>
+            <a:ext uri="{91240B29-F687-4F45-9708-019B960494DF}">
+              <a14:hiddenLine xmlns:a14="http://schemas.microsoft.com/office/drawing/2010/main" w="9525">
+                <a:solidFill>
+                  <a:schemeClr val="tx1"/>
+                </a:solidFill>
+                <a:miter lim="800000"/>
+                <a:headEnd/>
+                <a:tailEnd/>
+              </a14:hiddenLine>
+            </a:ext>
+            <a:ext uri="{AF507438-7753-43E0-B8FC-AC1667EBCBE1}">
+              <a14:hiddenEffects xmlns:a14="http://schemas.microsoft.com/office/drawing/2010/main">
+                <a:effectLst>
+                  <a:outerShdw dist="35921" dir="2700000" algn="ctr" rotWithShape="0">
+                    <a:schemeClr val="bg2"/>
+                  </a:outerShdw>
+                </a:effectLst>
+              </a14:hiddenEffects>
+            </a:ext>
+          </a:extLst>
+        </p:spPr>
+        <p:txBody>
+          <a:bodyPr vert="horz" wrap="none" lIns="91440" tIns="45720" rIns="91440" bIns="45720" numCol="1" anchor="ctr" anchorCtr="0" compatLnSpc="1">
+            <a:prstTxWarp prst="textNoShape">
+              <a:avLst/>
+            </a:prstTxWarp>
+            <a:spAutoFit/>
+          </a:bodyPr>
+          <a:lstStyle/>
+          <a:p>
+            <a:pPr marL="0" marR="0" lvl="0" indent="0" algn="l" defTabSz="914400" rtl="0" eaLnBrk="0" fontAlgn="base" latinLnBrk="0" hangingPunct="0">
+              <a:lnSpc>
+                <a:spcPct val="100000"/>
+              </a:lnSpc>
+              <a:spcBef>
+                <a:spcPct val="0"/>
+              </a:spcBef>
+              <a:spcAft>
+                <a:spcPct val="0"/>
+              </a:spcAft>
+              <a:buClrTx/>
+              <a:buSzTx/>
+              <a:buFontTx/>
+              <a:buNone/>
+              <a:tabLst/>
+            </a:pPr>
+            <a:r>
+              <a:rPr kumimoji="0" lang="en-US" altLang="en-US" sz="1200" b="0" i="0" u="none" strike="noStrike" cap="none" normalizeH="0" baseline="0">
+                <a:ln>
+                  <a:noFill/>
+                </a:ln>
+                <a:solidFill>
+                  <a:srgbClr val="000000"/>
+                </a:solidFill>
+                <a:effectLst/>
+                <a:latin typeface="Arial" panose="020B0604020202020204" pitchFamily="34" charset="0"/>
+                <a:cs typeface="Arial" panose="020B0604020202020204" pitchFamily="34" charset="0"/>
+              </a:rPr>
+              <a:t>- Amazon DynamoDB is a fully managed service, you don't need to worry about hardware or software provisioning, setup &amp; configuration, software patching, distributed database cluster or partitioning data over multiple instances as you scale</a:t>
+            </a:r>
+            <a:endParaRPr kumimoji="0" lang="en-US" altLang="en-US" sz="1100" b="0" i="0" u="none" strike="noStrike" cap="none" normalizeH="0" baseline="0">
+              <a:ln>
+                <a:noFill/>
+              </a:ln>
+              <a:solidFill>
+                <a:srgbClr val="555555"/>
+              </a:solidFill>
+              <a:effectLst/>
+              <a:latin typeface="Ubuntu"/>
+            </a:endParaRPr>
+          </a:p>
+          <a:p>
+            <a:pPr marL="0" marR="0" lvl="0" indent="0" algn="l" defTabSz="914400" rtl="0" eaLnBrk="0" fontAlgn="base" latinLnBrk="0" hangingPunct="0">
+              <a:lnSpc>
+                <a:spcPct val="100000"/>
+              </a:lnSpc>
+              <a:spcBef>
+                <a:spcPct val="0"/>
+              </a:spcBef>
+              <a:spcAft>
+                <a:spcPct val="0"/>
+              </a:spcAft>
+              <a:buClrTx/>
+              <a:buSzTx/>
+              <a:buFontTx/>
+              <a:buNone/>
+              <a:tabLst/>
+            </a:pPr>
+            <a:endParaRPr kumimoji="0" lang="en-US" altLang="en-US" sz="1800" b="0" i="0" u="none" strike="noStrike" cap="none" normalizeH="0" baseline="0">
+              <a:ln>
+                <a:noFill/>
+              </a:ln>
+              <a:solidFill>
+                <a:schemeClr val="tx1"/>
+              </a:solidFill>
+              <a:effectLst/>
+              <a:latin typeface="Arial" panose="020B0604020202020204" pitchFamily="34" charset="0"/>
+            </a:endParaRPr>
+          </a:p>
+        </p:txBody>
+      </p:sp>
+      <p:sp>
+        <p:nvSpPr>
+          <p:cNvPr id="7" name="Rectangle 4">
+            <a:extLst>
+              <a:ext uri="{FF2B5EF4-FFF2-40B4-BE49-F238E27FC236}">
+                <a16:creationId xmlns:a16="http://schemas.microsoft.com/office/drawing/2014/main" id="{8BD2DC70-3F85-4681-AD50-C8A8CB8740E0}"/>
+              </a:ext>
+            </a:extLst>
+          </p:cNvPr>
+          <p:cNvSpPr>
+            <a:spLocks noChangeArrowheads="1"/>
+          </p:cNvSpPr>
+          <p:nvPr/>
+        </p:nvSpPr>
+        <p:spPr bwMode="auto">
+          <a:xfrm>
+            <a:off x="673100" y="8572500"/>
+            <a:ext cx="12192000" cy="0"/>
+          </a:xfrm>
+          <a:prstGeom prst="rect">
+            <a:avLst/>
+          </a:prstGeom>
+          <a:solidFill>
+            <a:srgbClr val="FFFFFF"/>
+          </a:solidFill>
+          <a:ln>
+            <a:noFill/>
+          </a:ln>
+          <a:effectLst/>
+          <a:extLst>
+            <a:ext uri="{91240B29-F687-4F45-9708-019B960494DF}">
+              <a14:hiddenLine xmlns:a14="http://schemas.microsoft.com/office/drawing/2010/main" w="9525">
+                <a:solidFill>
+                  <a:schemeClr val="tx1"/>
+                </a:solidFill>
+                <a:miter lim="800000"/>
+                <a:headEnd/>
+                <a:tailEnd/>
+              </a14:hiddenLine>
+            </a:ext>
+            <a:ext uri="{AF507438-7753-43E0-B8FC-AC1667EBCBE1}">
+              <a14:hiddenEffects xmlns:a14="http://schemas.microsoft.com/office/drawing/2010/main">
+                <a:effectLst>
+                  <a:outerShdw dist="35921" dir="2700000" algn="ctr" rotWithShape="0">
+                    <a:schemeClr val="bg2"/>
+                  </a:outerShdw>
+                </a:effectLst>
+              </a14:hiddenEffects>
+            </a:ext>
+          </a:extLst>
+        </p:spPr>
+        <p:txBody>
+          <a:bodyPr vert="horz" wrap="none" lIns="91440" tIns="45720" rIns="91440" bIns="45720" numCol="1" anchor="ctr" anchorCtr="0" compatLnSpc="1">
+            <a:prstTxWarp prst="textNoShape">
+              <a:avLst/>
+            </a:prstTxWarp>
+            <a:spAutoFit/>
+          </a:bodyPr>
+          <a:lstStyle/>
+          <a:p>
+            <a:pPr marL="0" marR="0" lvl="0" indent="0" algn="l" defTabSz="914400" rtl="0" eaLnBrk="0" fontAlgn="base" latinLnBrk="0" hangingPunct="0">
+              <a:lnSpc>
+                <a:spcPct val="100000"/>
+              </a:lnSpc>
+              <a:spcBef>
+                <a:spcPct val="0"/>
+              </a:spcBef>
+              <a:spcAft>
+                <a:spcPct val="0"/>
+              </a:spcAft>
+              <a:buClrTx/>
+              <a:buSzTx/>
+              <a:buFontTx/>
+              <a:buNone/>
+              <a:tabLst/>
+            </a:pPr>
+            <a:r>
+              <a:rPr kumimoji="0" lang="en-US" altLang="en-US" sz="1200" b="0" i="0" u="none" strike="noStrike" cap="none" normalizeH="0" baseline="0">
+                <a:ln>
+                  <a:noFill/>
+                </a:ln>
+                <a:solidFill>
+                  <a:srgbClr val="000000"/>
+                </a:solidFill>
+                <a:effectLst/>
+                <a:latin typeface="Arial" panose="020B0604020202020204" pitchFamily="34" charset="0"/>
+                <a:cs typeface="Arial" panose="020B0604020202020204" pitchFamily="34" charset="0"/>
+              </a:rPr>
+              <a:t>- Amazon DynamoDB is a fully managed service, you don't need to worry about hardware or software provisioning, setup &amp; configuration, software patching, distributed database cluster or partitioning data over multiple instances as you scale</a:t>
+            </a:r>
+            <a:endParaRPr kumimoji="0" lang="en-US" altLang="en-US" sz="1100" b="0" i="0" u="none" strike="noStrike" cap="none" normalizeH="0" baseline="0">
+              <a:ln>
+                <a:noFill/>
+              </a:ln>
+              <a:solidFill>
+                <a:srgbClr val="555555"/>
+              </a:solidFill>
+              <a:effectLst/>
+              <a:latin typeface="Ubuntu"/>
+            </a:endParaRPr>
+          </a:p>
+          <a:p>
+            <a:pPr marL="0" marR="0" lvl="0" indent="0" algn="l" defTabSz="914400" rtl="0" eaLnBrk="0" fontAlgn="base" latinLnBrk="0" hangingPunct="0">
+              <a:lnSpc>
+                <a:spcPct val="100000"/>
+              </a:lnSpc>
+              <a:spcBef>
+                <a:spcPct val="0"/>
+              </a:spcBef>
+              <a:spcAft>
+                <a:spcPct val="0"/>
+              </a:spcAft>
+              <a:buClrTx/>
+              <a:buSzTx/>
+              <a:buFontTx/>
+              <a:buNone/>
+              <a:tabLst/>
+            </a:pPr>
+            <a:endParaRPr kumimoji="0" lang="en-US" altLang="en-US" sz="1800" b="0" i="0" u="none" strike="noStrike" cap="none" normalizeH="0" baseline="0">
+              <a:ln>
+                <a:noFill/>
+              </a:ln>
+              <a:solidFill>
+                <a:schemeClr val="tx1"/>
+              </a:solidFill>
+              <a:effectLst/>
+              <a:latin typeface="Arial" panose="020B0604020202020204" pitchFamily="34" charset="0"/>
+            </a:endParaRPr>
+          </a:p>
+        </p:txBody>
+      </p:sp>
+    </p:spTree>
+    <p:extLst>
+      <p:ext uri="{BB962C8B-B14F-4D97-AF65-F5344CB8AC3E}">
+        <p14:creationId xmlns:p14="http://schemas.microsoft.com/office/powerpoint/2010/main" val="3395162049"/>
+      </p:ext>
+    </p:extLst>
+  </p:cSld>
+  <p:clrMapOvr>
+    <a:masterClrMapping/>
+  </p:clrMapOvr>
+</p:sld>
+</file>
+
+<file path=ppt/slides/slide9.xml><?xml version="1.0" encoding="utf-8"?>
+<p:sld xmlns:a="http://schemas.openxmlformats.org/drawingml/2006/main" xmlns:r="http://schemas.openxmlformats.org/officeDocument/2006/relationships" xmlns:p="http://schemas.openxmlformats.org/presentationml/2006/main">
+  <p:cSld>
+    <p:spTree>
+      <p:nvGrpSpPr>
+        <p:cNvPr id="1" name=""/>
+        <p:cNvGrpSpPr/>
+        <p:nvPr/>
+      </p:nvGrpSpPr>
+      <p:grpSpPr>
+        <a:xfrm>
+          <a:off x="0" y="0"/>
+          <a:ext cx="0" cy="0"/>
+          <a:chOff x="0" y="0"/>
+          <a:chExt cx="0" cy="0"/>
+        </a:xfrm>
+      </p:grpSpPr>
       <p:grpSp>
         <p:nvGrpSpPr>
           <p:cNvPr id="61" name="Group 60">
@@ -3726,9 +5330,9 @@
         <p:grpSpPr>
           <a:xfrm>
             <a:off x="612969" y="259017"/>
-            <a:ext cx="10725589" cy="6029241"/>
+            <a:ext cx="10183561" cy="6029241"/>
             <a:chOff x="612969" y="259017"/>
-            <a:chExt cx="10725589" cy="6029241"/>
+            <a:chExt cx="10183561" cy="6029241"/>
           </a:xfrm>
         </p:grpSpPr>
         <p:pic>
@@ -3840,9 +5444,9 @@
           <p:grpSpPr>
             <a:xfrm>
               <a:off x="1920160" y="1336431"/>
-              <a:ext cx="9418398" cy="4951827"/>
+              <a:ext cx="8876370" cy="4951827"/>
               <a:chOff x="1242787" y="1083211"/>
-              <a:chExt cx="10095772" cy="5205047"/>
+              <a:chExt cx="9514761" cy="5205047"/>
             </a:xfrm>
           </p:grpSpPr>
           <p:sp>
@@ -3859,8 +5463,8 @@
             </p:nvSpPr>
             <p:spPr>
               <a:xfrm>
-                <a:off x="3249636" y="1083211"/>
-                <a:ext cx="8088923" cy="5205047"/>
+                <a:off x="3648408" y="1083211"/>
+                <a:ext cx="7109140" cy="5205047"/>
               </a:xfrm>
               <a:prstGeom prst="rect">
                 <a:avLst/>
@@ -4238,7 +5842,7 @@
                   <a:p>
                     <a:pPr algn="ctr"/>
                     <a:r>
-                      <a:rPr lang="en-US" sz="1200" dirty="0"/>
+                      <a:rPr lang="en-US" sz="1000" dirty="0"/>
                       <a:t>API Gateway</a:t>
                     </a:r>
                   </a:p>
@@ -4468,7 +6072,7 @@
                 </a:xfrm>
                 <a:prstGeom prst="bentConnector3">
                   <a:avLst>
-                    <a:gd name="adj1" fmla="val 50000"/>
+                    <a:gd name="adj1" fmla="val 47200"/>
                   </a:avLst>
                 </a:prstGeom>
                 <a:ln>
@@ -4839,479 +6443,99 @@
           </a:fontRef>
         </p:style>
       </p:cxnSp>
-    </p:spTree>
-    <p:extLst>
-      <p:ext uri="{BB962C8B-B14F-4D97-AF65-F5344CB8AC3E}">
-        <p14:creationId xmlns:p14="http://schemas.microsoft.com/office/powerpoint/2010/main" val="1014254282"/>
-      </p:ext>
-    </p:extLst>
-  </p:cSld>
-  <p:clrMapOvr>
-    <a:masterClrMapping/>
-  </p:clrMapOvr>
-</p:sld>
-</file>
-
-<file path=ppt/slides/slide4.xml><?xml version="1.0" encoding="utf-8"?>
-<p:sld xmlns:a="http://schemas.openxmlformats.org/drawingml/2006/main" xmlns:r="http://schemas.openxmlformats.org/officeDocument/2006/relationships" xmlns:p="http://schemas.openxmlformats.org/presentationml/2006/main">
-  <p:cSld>
-    <p:spTree>
-      <p:nvGrpSpPr>
-        <p:cNvPr id="1" name=""/>
-        <p:cNvGrpSpPr/>
-        <p:nvPr/>
-      </p:nvGrpSpPr>
-      <p:grpSpPr>
-        <a:xfrm>
-          <a:off x="0" y="0"/>
-          <a:ext cx="0" cy="0"/>
-          <a:chOff x="0" y="0"/>
-          <a:chExt cx="0" cy="0"/>
-        </a:xfrm>
-      </p:grpSpPr>
       <p:pic>
         <p:nvPicPr>
-          <p:cNvPr id="2" name="Picture 1">
-            <a:extLst>
-              <a:ext uri="{FF2B5EF4-FFF2-40B4-BE49-F238E27FC236}">
-                <a16:creationId xmlns:a16="http://schemas.microsoft.com/office/drawing/2014/main" id="{99B8405B-03B8-4B3E-9BDF-8320B8E55D75}"/>
+          <p:cNvPr id="4098" name="Picture 2" descr="Free Email Inbox Icon of Line style - Available in SVG, PNG, EPS, AI &amp; Icon  fonts">
+            <a:extLst>
+              <a:ext uri="{FF2B5EF4-FFF2-40B4-BE49-F238E27FC236}">
+                <a16:creationId xmlns:a16="http://schemas.microsoft.com/office/drawing/2014/main" id="{3344F595-C823-4615-A57E-63148B2AB68C}"/>
               </a:ext>
             </a:extLst>
           </p:cNvPr>
           <p:cNvPicPr>
-            <a:picLocks noChangeAspect="1"/>
+            <a:picLocks noChangeAspect="1" noChangeArrowheads="1"/>
           </p:cNvPicPr>
           <p:nvPr/>
         </p:nvPicPr>
         <p:blipFill>
-          <a:blip r:embed="rId3"/>
+          <a:blip r:embed="rId9">
+            <a:extLst>
+              <a:ext uri="{28A0092B-C50C-407E-A947-70E740481C1C}">
+                <a14:useLocalDpi xmlns:a14="http://schemas.microsoft.com/office/drawing/2010/main" val="0"/>
+              </a:ext>
+            </a:extLst>
+          </a:blip>
+          <a:srcRect/>
           <a:stretch>
             <a:fillRect/>
           </a:stretch>
         </p:blipFill>
-        <p:spPr>
+        <p:spPr bwMode="auto">
           <a:xfrm>
-            <a:off x="1866900" y="1406769"/>
-            <a:ext cx="9584202" cy="4913068"/>
+            <a:off x="7918494" y="81150"/>
+            <a:ext cx="1109387" cy="1109387"/>
           </a:xfrm>
           <a:prstGeom prst="rect">
             <a:avLst/>
           </a:prstGeom>
+          <a:noFill/>
+          <a:extLst>
+            <a:ext uri="{909E8E84-426E-40DD-AFC4-6F175D3DCCD1}">
+              <a14:hiddenFill xmlns:a14="http://schemas.microsoft.com/office/drawing/2010/main">
+                <a:solidFill>
+                  <a:srgbClr val="FFFFFF"/>
+                </a:solidFill>
+              </a14:hiddenFill>
+            </a:ext>
+          </a:extLst>
         </p:spPr>
       </p:pic>
-      <p:graphicFrame>
-        <p:nvGraphicFramePr>
-          <p:cNvPr id="3" name="Object 2">
-            <a:extLst>
-              <a:ext uri="{FF2B5EF4-FFF2-40B4-BE49-F238E27FC236}">
-                <a16:creationId xmlns:a16="http://schemas.microsoft.com/office/drawing/2014/main" id="{6BA6B703-3092-49E6-A7B5-043EB01A26F1}"/>
-              </a:ext>
-            </a:extLst>
-          </p:cNvPr>
-          <p:cNvGraphicFramePr>
-            <a:graphicFrameLocks noChangeAspect="1"/>
-          </p:cNvGraphicFramePr>
-          <p:nvPr>
-            <p:extLst>
-              <p:ext uri="{D42A27DB-BD31-4B8C-83A1-F6EECF244321}">
-                <p14:modId xmlns:p14="http://schemas.microsoft.com/office/powerpoint/2010/main" val="2594185760"/>
-              </p:ext>
-            </p:extLst>
-          </p:nvPr>
-        </p:nvGraphicFramePr>
-        <p:xfrm>
-          <a:off x="5022166" y="3896700"/>
-          <a:ext cx="6738425" cy="1378683"/>
-        </p:xfrm>
-        <a:graphic>
-          <a:graphicData uri="http://schemas.openxmlformats.org/presentationml/2006/ole">
-            <mc:AlternateContent xmlns:mc="http://schemas.openxmlformats.org/markup-compatibility/2006">
-              <mc:Choice xmlns:v="urn:schemas-microsoft-com:vml" Requires="v">
-                <p:oleObj spid="_x0000_s2125" name="Packager Shell Object" showAsIcon="1" r:id="rId4" imgW="2377800" imgH="437760" progId="Package">
-                  <p:embed/>
-                </p:oleObj>
-              </mc:Choice>
-              <mc:Fallback>
-                <p:oleObj name="Packager Shell Object" showAsIcon="1" r:id="rId4" imgW="2377800" imgH="437760" progId="Package">
-                  <p:embed/>
-                  <p:pic>
-                    <p:nvPicPr>
-                      <p:cNvPr id="0" name=""/>
-                      <p:cNvPicPr/>
-                      <p:nvPr/>
-                    </p:nvPicPr>
-                    <p:blipFill>
-                      <a:blip r:embed="rId5"/>
-                      <a:stretch>
-                        <a:fillRect/>
-                      </a:stretch>
-                    </p:blipFill>
-                    <p:spPr>
-                      <a:xfrm>
-                        <a:off x="5022166" y="3896700"/>
-                        <a:ext cx="6738425" cy="1378683"/>
-                      </a:xfrm>
-                      <a:prstGeom prst="rect">
-                        <a:avLst/>
-                      </a:prstGeom>
-                    </p:spPr>
-                  </p:pic>
-                </p:oleObj>
-              </mc:Fallback>
-            </mc:AlternateContent>
-          </a:graphicData>
-        </a:graphic>
-      </p:graphicFrame>
-      <p:sp>
-        <p:nvSpPr>
-          <p:cNvPr id="5" name="Rectangle 4">
-            <a:extLst>
-              <a:ext uri="{FF2B5EF4-FFF2-40B4-BE49-F238E27FC236}">
-                <a16:creationId xmlns:a16="http://schemas.microsoft.com/office/drawing/2014/main" id="{FBFE9127-589D-4EB6-AC00-2A3DF8914C65}"/>
-              </a:ext>
-            </a:extLst>
-          </p:cNvPr>
-          <p:cNvSpPr/>
+      <p:cxnSp>
+        <p:nvCxnSpPr>
+          <p:cNvPr id="19" name="Straight Arrow Connector 18">
+            <a:extLst>
+              <a:ext uri="{FF2B5EF4-FFF2-40B4-BE49-F238E27FC236}">
+                <a16:creationId xmlns:a16="http://schemas.microsoft.com/office/drawing/2014/main" id="{DF49E9E3-7784-48D7-83DD-8F2B47E19FB9}"/>
+              </a:ext>
+            </a:extLst>
+          </p:cNvPr>
+          <p:cNvCxnSpPr>
+            <a:stCxn id="31" idx="0"/>
+            <a:endCxn id="4098" idx="2"/>
+          </p:cNvCxnSpPr>
           <p:nvPr/>
-        </p:nvSpPr>
+        </p:nvCxnSpPr>
         <p:spPr>
-          <a:xfrm>
-            <a:off x="900332" y="432557"/>
-            <a:ext cx="10860259" cy="858129"/>
+          <a:xfrm flipV="1">
+            <a:off x="8472098" y="1190537"/>
+            <a:ext cx="1090" cy="503575"/>
           </a:xfrm>
-          <a:prstGeom prst="rect">
+          <a:prstGeom prst="straightConnector1">
             <a:avLst/>
           </a:prstGeom>
+          <a:ln>
+            <a:tailEnd type="triangle"/>
+          </a:ln>
         </p:spPr>
         <p:style>
-          <a:lnRef idx="2">
-            <a:schemeClr val="accent1">
-              <a:shade val="50000"/>
-            </a:schemeClr>
+          <a:lnRef idx="1">
+            <a:schemeClr val="accent1"/>
           </a:lnRef>
-          <a:fillRef idx="1">
+          <a:fillRef idx="0">
             <a:schemeClr val="accent1"/>
           </a:fillRef>
           <a:effectRef idx="0">
             <a:schemeClr val="accent1"/>
           </a:effectRef>
           <a:fontRef idx="minor">
-            <a:schemeClr val="lt1"/>
+            <a:schemeClr val="tx1"/>
           </a:fontRef>
         </p:style>
-        <p:txBody>
-          <a:bodyPr rtlCol="0" anchor="ctr"/>
-          <a:lstStyle/>
-          <a:p>
-            <a:pPr algn="ctr"/>
-            <a:r>
-              <a:rPr lang="en-US" dirty="0"/>
-              <a:t>GET /dev/</a:t>
-            </a:r>
-            <a:r>
-              <a:rPr lang="en-US" dirty="0" err="1"/>
-              <a:t>listannouncements?auth</a:t>
-            </a:r>
-            <a:r>
-              <a:rPr lang="en-US" dirty="0"/>
-              <a:t>=yes HTTP/1.1Host: ohyjknht45.execute-api.us-west-1.amazonaws.comapproval: </a:t>
-            </a:r>
-            <a:r>
-              <a:rPr lang="en-US" dirty="0" err="1"/>
-              <a:t>approveCache</a:t>
-            </a:r>
-            <a:r>
-              <a:rPr lang="en-US" dirty="0"/>
-              <a:t>-Control: no-</a:t>
-            </a:r>
-            <a:r>
-              <a:rPr lang="en-US" dirty="0" err="1"/>
-              <a:t>cachePostman</a:t>
-            </a:r>
-            <a:r>
-              <a:rPr lang="en-US" dirty="0"/>
-              <a:t>-Token: c53a2b2e-5dde-2778-1ceb-a93814d769cf</a:t>
-            </a:r>
-          </a:p>
-        </p:txBody>
-      </p:sp>
-      <p:graphicFrame>
-        <p:nvGraphicFramePr>
-          <p:cNvPr id="7" name="Object 6">
-            <a:extLst>
-              <a:ext uri="{FF2B5EF4-FFF2-40B4-BE49-F238E27FC236}">
-                <a16:creationId xmlns:a16="http://schemas.microsoft.com/office/drawing/2014/main" id="{46766FC3-50EB-45D9-964D-D0404F438A47}"/>
-              </a:ext>
-            </a:extLst>
-          </p:cNvPr>
-          <p:cNvGraphicFramePr>
-            <a:graphicFrameLocks noChangeAspect="1"/>
-          </p:cNvGraphicFramePr>
-          <p:nvPr>
-            <p:extLst>
-              <p:ext uri="{D42A27DB-BD31-4B8C-83A1-F6EECF244321}">
-                <p14:modId xmlns:p14="http://schemas.microsoft.com/office/powerpoint/2010/main" val="244744246"/>
-              </p:ext>
-            </p:extLst>
-          </p:nvPr>
-        </p:nvGraphicFramePr>
-        <p:xfrm>
-          <a:off x="6611815" y="2152357"/>
-          <a:ext cx="4543865" cy="1628260"/>
-        </p:xfrm>
-        <a:graphic>
-          <a:graphicData uri="http://schemas.openxmlformats.org/presentationml/2006/ole">
-            <mc:AlternateContent xmlns:mc="http://schemas.openxmlformats.org/markup-compatibility/2006">
-              <mc:Choice xmlns:v="urn:schemas-microsoft-com:vml" Requires="v">
-                <p:oleObj spid="_x0000_s2126" name="Packager Shell Object" showAsIcon="1" r:id="rId6" imgW="1522800" imgH="437760" progId="Package">
-                  <p:embed/>
-                </p:oleObj>
-              </mc:Choice>
-              <mc:Fallback>
-                <p:oleObj name="Packager Shell Object" showAsIcon="1" r:id="rId6" imgW="1522800" imgH="437760" progId="Package">
-                  <p:embed/>
-                  <p:pic>
-                    <p:nvPicPr>
-                      <p:cNvPr id="0" name=""/>
-                      <p:cNvPicPr/>
-                      <p:nvPr/>
-                    </p:nvPicPr>
-                    <p:blipFill>
-                      <a:blip r:embed="rId7"/>
-                      <a:stretch>
-                        <a:fillRect/>
-                      </a:stretch>
-                    </p:blipFill>
-                    <p:spPr>
-                      <a:xfrm>
-                        <a:off x="6611815" y="2152357"/>
-                        <a:ext cx="4543865" cy="1628260"/>
-                      </a:xfrm>
-                      <a:prstGeom prst="rect">
-                        <a:avLst/>
-                      </a:prstGeom>
-                    </p:spPr>
-                  </p:pic>
-                </p:oleObj>
-              </mc:Fallback>
-            </mc:AlternateContent>
-          </a:graphicData>
-        </a:graphic>
-      </p:graphicFrame>
+      </p:cxnSp>
     </p:spTree>
     <p:extLst>
       <p:ext uri="{BB962C8B-B14F-4D97-AF65-F5344CB8AC3E}">
-        <p14:creationId xmlns:p14="http://schemas.microsoft.com/office/powerpoint/2010/main" val="3377337532"/>
-      </p:ext>
-    </p:extLst>
-  </p:cSld>
-  <p:clrMapOvr>
-    <a:masterClrMapping/>
-  </p:clrMapOvr>
-</p:sld>
-</file>
-
-<file path=ppt/slides/slide5.xml><?xml version="1.0" encoding="utf-8"?>
-<p:sld xmlns:a="http://schemas.openxmlformats.org/drawingml/2006/main" xmlns:r="http://schemas.openxmlformats.org/officeDocument/2006/relationships" xmlns:p="http://schemas.openxmlformats.org/presentationml/2006/main">
-  <p:cSld>
-    <p:spTree>
-      <p:nvGrpSpPr>
-        <p:cNvPr id="1" name=""/>
-        <p:cNvGrpSpPr/>
-        <p:nvPr/>
-      </p:nvGrpSpPr>
-      <p:grpSpPr>
-        <a:xfrm>
-          <a:off x="0" y="0"/>
-          <a:ext cx="0" cy="0"/>
-          <a:chOff x="0" y="0"/>
-          <a:chExt cx="0" cy="0"/>
-        </a:xfrm>
-      </p:grpSpPr>
-      <p:pic>
-        <p:nvPicPr>
-          <p:cNvPr id="2" name="Picture 1">
-            <a:extLst>
-              <a:ext uri="{FF2B5EF4-FFF2-40B4-BE49-F238E27FC236}">
-                <a16:creationId xmlns:a16="http://schemas.microsoft.com/office/drawing/2014/main" id="{902EAB78-8EE7-42C9-A4C9-FCA0AFE24513}"/>
-              </a:ext>
-            </a:extLst>
-          </p:cNvPr>
-          <p:cNvPicPr>
-            <a:picLocks noChangeAspect="1"/>
-          </p:cNvPicPr>
-          <p:nvPr/>
-        </p:nvPicPr>
-        <p:blipFill>
-          <a:blip r:embed="rId3"/>
-          <a:stretch>
-            <a:fillRect/>
-          </a:stretch>
-        </p:blipFill>
-        <p:spPr>
-          <a:xfrm>
-            <a:off x="1786597" y="1322363"/>
-            <a:ext cx="8509928" cy="5344773"/>
-          </a:xfrm>
-          <a:prstGeom prst="rect">
-            <a:avLst/>
-          </a:prstGeom>
-        </p:spPr>
-      </p:pic>
-      <p:sp>
-        <p:nvSpPr>
-          <p:cNvPr id="4" name="Rectangle 3">
-            <a:extLst>
-              <a:ext uri="{FF2B5EF4-FFF2-40B4-BE49-F238E27FC236}">
-                <a16:creationId xmlns:a16="http://schemas.microsoft.com/office/drawing/2014/main" id="{65A0BB05-B476-4EF8-9AEB-F292643E6121}"/>
-              </a:ext>
-            </a:extLst>
-          </p:cNvPr>
-          <p:cNvSpPr/>
-          <p:nvPr/>
-        </p:nvSpPr>
-        <p:spPr>
-          <a:xfrm>
-            <a:off x="520505" y="323557"/>
-            <a:ext cx="11240085" cy="998806"/>
-          </a:xfrm>
-          <a:prstGeom prst="rect">
-            <a:avLst/>
-          </a:prstGeom>
-        </p:spPr>
-        <p:style>
-          <a:lnRef idx="2">
-            <a:schemeClr val="accent1">
-              <a:shade val="50000"/>
-            </a:schemeClr>
-          </a:lnRef>
-          <a:fillRef idx="1">
-            <a:schemeClr val="accent1"/>
-          </a:fillRef>
-          <a:effectRef idx="0">
-            <a:schemeClr val="accent1"/>
-          </a:effectRef>
-          <a:fontRef idx="minor">
-            <a:schemeClr val="lt1"/>
-          </a:fontRef>
-        </p:style>
-        <p:txBody>
-          <a:bodyPr rtlCol="0" anchor="ctr"/>
-          <a:lstStyle/>
-          <a:p>
-            <a:pPr algn="ctr"/>
-            <a:r>
-              <a:rPr lang="en-US" dirty="0"/>
-              <a:t>POST /dev/</a:t>
-            </a:r>
-            <a:r>
-              <a:rPr lang="en-US" dirty="0" err="1"/>
-              <a:t>addannouncements?auth</a:t>
-            </a:r>
-            <a:r>
-              <a:rPr lang="en-US" dirty="0"/>
-              <a:t>=yes HTTP/1.1Host: ohyjknht45.execute-api.us-west-1.amazonaws.comapproval: </a:t>
-            </a:r>
-            <a:r>
-              <a:rPr lang="en-US" dirty="0" err="1"/>
-              <a:t>approveCache</a:t>
-            </a:r>
-            <a:r>
-              <a:rPr lang="en-US" dirty="0"/>
-              <a:t>-Control: no-</a:t>
-            </a:r>
-            <a:r>
-              <a:rPr lang="en-US" dirty="0" err="1"/>
-              <a:t>cachePostman</a:t>
-            </a:r>
-            <a:r>
-              <a:rPr lang="en-US" dirty="0"/>
-              <a:t>-Token: 98dedfc0-1fb6-a0e3-c687-5f4e50c52f2c{"description": "</a:t>
-            </a:r>
-            <a:r>
-              <a:rPr lang="en-US" dirty="0" err="1"/>
-              <a:t>descriptiondetailswww</a:t>
-            </a:r>
-            <a:r>
-              <a:rPr lang="en-US" dirty="0"/>
-              <a:t>", "date": "30-jan-2021", "title": "titleNamenew6"}</a:t>
-            </a:r>
-          </a:p>
-        </p:txBody>
-      </p:sp>
-      <p:graphicFrame>
-        <p:nvGraphicFramePr>
-          <p:cNvPr id="5" name="Object 4">
-            <a:extLst>
-              <a:ext uri="{FF2B5EF4-FFF2-40B4-BE49-F238E27FC236}">
-                <a16:creationId xmlns:a16="http://schemas.microsoft.com/office/drawing/2014/main" id="{53AFDF8F-F1E2-4C1E-836E-E6718DD0B3BE}"/>
-              </a:ext>
-            </a:extLst>
-          </p:cNvPr>
-          <p:cNvGraphicFramePr>
-            <a:graphicFrameLocks noChangeAspect="1"/>
-          </p:cNvGraphicFramePr>
-          <p:nvPr>
-            <p:extLst>
-              <p:ext uri="{D42A27DB-BD31-4B8C-83A1-F6EECF244321}">
-                <p14:modId xmlns:p14="http://schemas.microsoft.com/office/powerpoint/2010/main" val="3543080047"/>
-              </p:ext>
-            </p:extLst>
-          </p:nvPr>
-        </p:nvGraphicFramePr>
-        <p:xfrm>
-          <a:off x="6140547" y="3213992"/>
-          <a:ext cx="4515778" cy="1561514"/>
-        </p:xfrm>
-        <a:graphic>
-          <a:graphicData uri="http://schemas.openxmlformats.org/presentationml/2006/ole">
-            <mc:AlternateContent xmlns:mc="http://schemas.openxmlformats.org/markup-compatibility/2006">
-              <mc:Choice xmlns:v="urn:schemas-microsoft-com:vml" Requires="v">
-                <p:oleObj spid="_x0000_s3111" name="Packager Shell Object" showAsIcon="1" r:id="rId4" imgW="1587960" imgH="437760" progId="Package">
-                  <p:embed/>
-                </p:oleObj>
-              </mc:Choice>
-              <mc:Fallback>
-                <p:oleObj name="Packager Shell Object" showAsIcon="1" r:id="rId4" imgW="1587960" imgH="437760" progId="Package">
-                  <p:embed/>
-                  <p:pic>
-                    <p:nvPicPr>
-                      <p:cNvPr id="6" name="Object 5">
-                        <a:extLst>
-                          <a:ext uri="{FF2B5EF4-FFF2-40B4-BE49-F238E27FC236}">
-                            <a16:creationId xmlns:a16="http://schemas.microsoft.com/office/drawing/2014/main" id="{140373B6-AF48-471E-BD65-DEA5A680EC02}"/>
-                          </a:ext>
-                        </a:extLst>
-                      </p:cNvPr>
-                      <p:cNvPicPr/>
-                      <p:nvPr/>
-                    </p:nvPicPr>
-                    <p:blipFill>
-                      <a:blip r:embed="rId5"/>
-                      <a:stretch>
-                        <a:fillRect/>
-                      </a:stretch>
-                    </p:blipFill>
-                    <p:spPr>
-                      <a:xfrm>
-                        <a:off x="6140547" y="3213992"/>
-                        <a:ext cx="4515778" cy="1561514"/>
-                      </a:xfrm>
-                      <a:prstGeom prst="rect">
-                        <a:avLst/>
-                      </a:prstGeom>
-                    </p:spPr>
-                  </p:pic>
-                </p:oleObj>
-              </mc:Fallback>
-            </mc:AlternateContent>
-          </a:graphicData>
-        </a:graphic>
-      </p:graphicFrame>
-    </p:spTree>
-    <p:extLst>
-      <p:ext uri="{BB962C8B-B14F-4D97-AF65-F5344CB8AC3E}">
-        <p14:creationId xmlns:p14="http://schemas.microsoft.com/office/powerpoint/2010/main" val="2011291616"/>
+        <p14:creationId xmlns:p14="http://schemas.microsoft.com/office/powerpoint/2010/main" val="1014254282"/>
       </p:ext>
     </p:extLst>
   </p:cSld>
